--- a/研究架构.pptx
+++ b/研究架构.pptx
@@ -4,6 +4,9 @@
   <p:sldMasterIdLst>
     <p:sldMasterId id="2147483648" r:id="rId1"/>
   </p:sldMasterIdLst>
+  <p:notesMasterIdLst>
+    <p:notesMasterId r:id="rId3"/>
+  </p:notesMasterIdLst>
   <p:sldIdLst>
     <p:sldId id="256" r:id="rId2"/>
   </p:sldIdLst>
@@ -104,7 +107,446 @@
       </a:defRPr>
     </a:lvl9pPr>
   </p:defaultTextStyle>
+  <p:extLst>
+    <p:ext uri="{EFAFB233-063F-42B5-8137-9DF3F51BA10A}">
+      <p15:sldGuideLst xmlns:p15="http://schemas.microsoft.com/office/powerpoint/2012/main"/>
+    </p:ext>
+  </p:extLst>
 </p:presentation>
+</file>
+
+<file path=ppt/notesMasters/notesMaster1.xml><?xml version="1.0" encoding="utf-8"?>
+<p:notesMaster xmlns:a="http://schemas.openxmlformats.org/drawingml/2006/main" xmlns:r="http://schemas.openxmlformats.org/officeDocument/2006/relationships" xmlns:p="http://schemas.openxmlformats.org/presentationml/2006/main">
+  <p:cSld>
+    <p:bg>
+      <p:bgRef idx="1001">
+        <a:schemeClr val="bg1"/>
+      </p:bgRef>
+    </p:bg>
+    <p:spTree>
+      <p:nvGrpSpPr>
+        <p:cNvPr id="1" name=""/>
+        <p:cNvGrpSpPr/>
+        <p:nvPr/>
+      </p:nvGrpSpPr>
+      <p:grpSpPr>
+        <a:xfrm>
+          <a:off x="0" y="0"/>
+          <a:ext cx="0" cy="0"/>
+          <a:chOff x="0" y="0"/>
+          <a:chExt cx="0" cy="0"/>
+        </a:xfrm>
+      </p:grpSpPr>
+      <p:sp>
+        <p:nvSpPr>
+          <p:cNvPr id="2" name="页眉占位符 1"/>
+          <p:cNvSpPr>
+            <a:spLocks noGrp="1"/>
+          </p:cNvSpPr>
+          <p:nvPr>
+            <p:ph type="hdr" sz="quarter"/>
+          </p:nvPr>
+        </p:nvSpPr>
+        <p:spPr>
+          <a:xfrm>
+            <a:off x="0" y="0"/>
+            <a:ext cx="2971800" cy="458788"/>
+          </a:xfrm>
+          <a:prstGeom prst="rect">
+            <a:avLst/>
+          </a:prstGeom>
+        </p:spPr>
+        <p:txBody>
+          <a:bodyPr vert="horz" lIns="91440" tIns="45720" rIns="91440" bIns="45720" rtlCol="0"/>
+          <a:lstStyle>
+            <a:lvl1pPr algn="l">
+              <a:defRPr sz="1200"/>
+            </a:lvl1pPr>
+          </a:lstStyle>
+          <a:p>
+            <a:endParaRPr lang="zh-CN" altLang="en-US"/>
+          </a:p>
+        </p:txBody>
+      </p:sp>
+      <p:sp>
+        <p:nvSpPr>
+          <p:cNvPr id="3" name="日期占位符 2"/>
+          <p:cNvSpPr>
+            <a:spLocks noGrp="1"/>
+          </p:cNvSpPr>
+          <p:nvPr>
+            <p:ph type="dt" idx="1"/>
+          </p:nvPr>
+        </p:nvSpPr>
+        <p:spPr>
+          <a:xfrm>
+            <a:off x="3884613" y="0"/>
+            <a:ext cx="2971800" cy="458788"/>
+          </a:xfrm>
+          <a:prstGeom prst="rect">
+            <a:avLst/>
+          </a:prstGeom>
+        </p:spPr>
+        <p:txBody>
+          <a:bodyPr vert="horz" lIns="91440" tIns="45720" rIns="91440" bIns="45720" rtlCol="0"/>
+          <a:lstStyle>
+            <a:lvl1pPr algn="r">
+              <a:defRPr sz="1200"/>
+            </a:lvl1pPr>
+          </a:lstStyle>
+          <a:p>
+            <a:fld id="{D1D991D4-806F-49B6-8402-CA45AE3FD737}" type="datetimeFigureOut">
+              <a:rPr lang="zh-CN" altLang="en-US" smtClean="0"/>
+              <a:t>2018/5/22</a:t>
+            </a:fld>
+            <a:endParaRPr lang="zh-CN" altLang="en-US"/>
+          </a:p>
+        </p:txBody>
+      </p:sp>
+      <p:sp>
+        <p:nvSpPr>
+          <p:cNvPr id="4" name="幻灯片图像占位符 3"/>
+          <p:cNvSpPr>
+            <a:spLocks noGrp="1" noRot="1" noChangeAspect="1"/>
+          </p:cNvSpPr>
+          <p:nvPr>
+            <p:ph type="sldImg" idx="2"/>
+          </p:nvPr>
+        </p:nvSpPr>
+        <p:spPr>
+          <a:xfrm>
+            <a:off x="685800" y="1143000"/>
+            <a:ext cx="5486400" cy="3086100"/>
+          </a:xfrm>
+          <a:prstGeom prst="rect">
+            <a:avLst/>
+          </a:prstGeom>
+          <a:noFill/>
+          <a:ln w="12700">
+            <a:solidFill>
+              <a:prstClr val="black"/>
+            </a:solidFill>
+          </a:ln>
+        </p:spPr>
+        <p:txBody>
+          <a:bodyPr vert="horz" lIns="91440" tIns="45720" rIns="91440" bIns="45720" rtlCol="0" anchor="ctr"/>
+          <a:lstStyle/>
+          <a:p>
+            <a:endParaRPr lang="zh-CN" altLang="en-US"/>
+          </a:p>
+        </p:txBody>
+      </p:sp>
+      <p:sp>
+        <p:nvSpPr>
+          <p:cNvPr id="5" name="备注占位符 4"/>
+          <p:cNvSpPr>
+            <a:spLocks noGrp="1"/>
+          </p:cNvSpPr>
+          <p:nvPr>
+            <p:ph type="body" sz="quarter" idx="3"/>
+          </p:nvPr>
+        </p:nvSpPr>
+        <p:spPr>
+          <a:xfrm>
+            <a:off x="685800" y="4400550"/>
+            <a:ext cx="5486400" cy="3600450"/>
+          </a:xfrm>
+          <a:prstGeom prst="rect">
+            <a:avLst/>
+          </a:prstGeom>
+        </p:spPr>
+        <p:txBody>
+          <a:bodyPr vert="horz" lIns="91440" tIns="45720" rIns="91440" bIns="45720" rtlCol="0"/>
+          <a:lstStyle/>
+          <a:p>
+            <a:pPr lvl="0"/>
+            <a:r>
+              <a:rPr lang="zh-CN" altLang="en-US" smtClean="0"/>
+              <a:t>编辑母版文本样式</a:t>
+            </a:r>
+          </a:p>
+          <a:p>
+            <a:pPr lvl="1"/>
+            <a:r>
+              <a:rPr lang="zh-CN" altLang="en-US" smtClean="0"/>
+              <a:t>第二级</a:t>
+            </a:r>
+          </a:p>
+          <a:p>
+            <a:pPr lvl="2"/>
+            <a:r>
+              <a:rPr lang="zh-CN" altLang="en-US" smtClean="0"/>
+              <a:t>第三级</a:t>
+            </a:r>
+          </a:p>
+          <a:p>
+            <a:pPr lvl="3"/>
+            <a:r>
+              <a:rPr lang="zh-CN" altLang="en-US" smtClean="0"/>
+              <a:t>第四级</a:t>
+            </a:r>
+          </a:p>
+          <a:p>
+            <a:pPr lvl="4"/>
+            <a:r>
+              <a:rPr lang="zh-CN" altLang="en-US" smtClean="0"/>
+              <a:t>第五级</a:t>
+            </a:r>
+            <a:endParaRPr lang="zh-CN" altLang="en-US"/>
+          </a:p>
+        </p:txBody>
+      </p:sp>
+      <p:sp>
+        <p:nvSpPr>
+          <p:cNvPr id="6" name="页脚占位符 5"/>
+          <p:cNvSpPr>
+            <a:spLocks noGrp="1"/>
+          </p:cNvSpPr>
+          <p:nvPr>
+            <p:ph type="ftr" sz="quarter" idx="4"/>
+          </p:nvPr>
+        </p:nvSpPr>
+        <p:spPr>
+          <a:xfrm>
+            <a:off x="0" y="8685213"/>
+            <a:ext cx="2971800" cy="458787"/>
+          </a:xfrm>
+          <a:prstGeom prst="rect">
+            <a:avLst/>
+          </a:prstGeom>
+        </p:spPr>
+        <p:txBody>
+          <a:bodyPr vert="horz" lIns="91440" tIns="45720" rIns="91440" bIns="45720" rtlCol="0" anchor="b"/>
+          <a:lstStyle>
+            <a:lvl1pPr algn="l">
+              <a:defRPr sz="1200"/>
+            </a:lvl1pPr>
+          </a:lstStyle>
+          <a:p>
+            <a:endParaRPr lang="zh-CN" altLang="en-US"/>
+          </a:p>
+        </p:txBody>
+      </p:sp>
+      <p:sp>
+        <p:nvSpPr>
+          <p:cNvPr id="7" name="灯片编号占位符 6"/>
+          <p:cNvSpPr>
+            <a:spLocks noGrp="1"/>
+          </p:cNvSpPr>
+          <p:nvPr>
+            <p:ph type="sldNum" sz="quarter" idx="5"/>
+          </p:nvPr>
+        </p:nvSpPr>
+        <p:spPr>
+          <a:xfrm>
+            <a:off x="3884613" y="8685213"/>
+            <a:ext cx="2971800" cy="458787"/>
+          </a:xfrm>
+          <a:prstGeom prst="rect">
+            <a:avLst/>
+          </a:prstGeom>
+        </p:spPr>
+        <p:txBody>
+          <a:bodyPr vert="horz" lIns="91440" tIns="45720" rIns="91440" bIns="45720" rtlCol="0" anchor="b"/>
+          <a:lstStyle>
+            <a:lvl1pPr algn="r">
+              <a:defRPr sz="1200"/>
+            </a:lvl1pPr>
+          </a:lstStyle>
+          <a:p>
+            <a:fld id="{7FEA7929-4A57-474E-A421-A77722790567}" type="slidenum">
+              <a:rPr lang="zh-CN" altLang="en-US" smtClean="0"/>
+              <a:t>‹#›</a:t>
+            </a:fld>
+            <a:endParaRPr lang="zh-CN" altLang="en-US"/>
+          </a:p>
+        </p:txBody>
+      </p:sp>
+    </p:spTree>
+    <p:extLst>
+      <p:ext uri="{BB962C8B-B14F-4D97-AF65-F5344CB8AC3E}">
+        <p14:creationId xmlns:p14="http://schemas.microsoft.com/office/powerpoint/2010/main" val="1942956869"/>
+      </p:ext>
+    </p:extLst>
+  </p:cSld>
+  <p:clrMap bg1="lt1" tx1="dk1" bg2="lt2" tx2="dk2" accent1="accent1" accent2="accent2" accent3="accent3" accent4="accent4" accent5="accent5" accent6="accent6" hlink="hlink" folHlink="folHlink"/>
+  <p:notesStyle>
+    <a:lvl1pPr marL="0" algn="l" defTabSz="914400" rtl="0" eaLnBrk="1" latinLnBrk="0" hangingPunct="1">
+      <a:defRPr sz="1200" kern="1200">
+        <a:solidFill>
+          <a:schemeClr val="tx1"/>
+        </a:solidFill>
+        <a:latin typeface="+mn-lt"/>
+        <a:ea typeface="+mn-ea"/>
+        <a:cs typeface="+mn-cs"/>
+      </a:defRPr>
+    </a:lvl1pPr>
+    <a:lvl2pPr marL="457200" algn="l" defTabSz="914400" rtl="0" eaLnBrk="1" latinLnBrk="0" hangingPunct="1">
+      <a:defRPr sz="1200" kern="1200">
+        <a:solidFill>
+          <a:schemeClr val="tx1"/>
+        </a:solidFill>
+        <a:latin typeface="+mn-lt"/>
+        <a:ea typeface="+mn-ea"/>
+        <a:cs typeface="+mn-cs"/>
+      </a:defRPr>
+    </a:lvl2pPr>
+    <a:lvl3pPr marL="914400" algn="l" defTabSz="914400" rtl="0" eaLnBrk="1" latinLnBrk="0" hangingPunct="1">
+      <a:defRPr sz="1200" kern="1200">
+        <a:solidFill>
+          <a:schemeClr val="tx1"/>
+        </a:solidFill>
+        <a:latin typeface="+mn-lt"/>
+        <a:ea typeface="+mn-ea"/>
+        <a:cs typeface="+mn-cs"/>
+      </a:defRPr>
+    </a:lvl3pPr>
+    <a:lvl4pPr marL="1371600" algn="l" defTabSz="914400" rtl="0" eaLnBrk="1" latinLnBrk="0" hangingPunct="1">
+      <a:defRPr sz="1200" kern="1200">
+        <a:solidFill>
+          <a:schemeClr val="tx1"/>
+        </a:solidFill>
+        <a:latin typeface="+mn-lt"/>
+        <a:ea typeface="+mn-ea"/>
+        <a:cs typeface="+mn-cs"/>
+      </a:defRPr>
+    </a:lvl4pPr>
+    <a:lvl5pPr marL="1828800" algn="l" defTabSz="914400" rtl="0" eaLnBrk="1" latinLnBrk="0" hangingPunct="1">
+      <a:defRPr sz="1200" kern="1200">
+        <a:solidFill>
+          <a:schemeClr val="tx1"/>
+        </a:solidFill>
+        <a:latin typeface="+mn-lt"/>
+        <a:ea typeface="+mn-ea"/>
+        <a:cs typeface="+mn-cs"/>
+      </a:defRPr>
+    </a:lvl5pPr>
+    <a:lvl6pPr marL="2286000" algn="l" defTabSz="914400" rtl="0" eaLnBrk="1" latinLnBrk="0" hangingPunct="1">
+      <a:defRPr sz="1200" kern="1200">
+        <a:solidFill>
+          <a:schemeClr val="tx1"/>
+        </a:solidFill>
+        <a:latin typeface="+mn-lt"/>
+        <a:ea typeface="+mn-ea"/>
+        <a:cs typeface="+mn-cs"/>
+      </a:defRPr>
+    </a:lvl6pPr>
+    <a:lvl7pPr marL="2743200" algn="l" defTabSz="914400" rtl="0" eaLnBrk="1" latinLnBrk="0" hangingPunct="1">
+      <a:defRPr sz="1200" kern="1200">
+        <a:solidFill>
+          <a:schemeClr val="tx1"/>
+        </a:solidFill>
+        <a:latin typeface="+mn-lt"/>
+        <a:ea typeface="+mn-ea"/>
+        <a:cs typeface="+mn-cs"/>
+      </a:defRPr>
+    </a:lvl7pPr>
+    <a:lvl8pPr marL="3200400" algn="l" defTabSz="914400" rtl="0" eaLnBrk="1" latinLnBrk="0" hangingPunct="1">
+      <a:defRPr sz="1200" kern="1200">
+        <a:solidFill>
+          <a:schemeClr val="tx1"/>
+        </a:solidFill>
+        <a:latin typeface="+mn-lt"/>
+        <a:ea typeface="+mn-ea"/>
+        <a:cs typeface="+mn-cs"/>
+      </a:defRPr>
+    </a:lvl8pPr>
+    <a:lvl9pPr marL="3657600" algn="l" defTabSz="914400" rtl="0" eaLnBrk="1" latinLnBrk="0" hangingPunct="1">
+      <a:defRPr sz="1200" kern="1200">
+        <a:solidFill>
+          <a:schemeClr val="tx1"/>
+        </a:solidFill>
+        <a:latin typeface="+mn-lt"/>
+        <a:ea typeface="+mn-ea"/>
+        <a:cs typeface="+mn-cs"/>
+      </a:defRPr>
+    </a:lvl9pPr>
+  </p:notesStyle>
+</p:notesMaster>
+</file>
+
+<file path=ppt/notesSlides/notesSlide1.xml><?xml version="1.0" encoding="utf-8"?>
+<p:notes xmlns:a="http://schemas.openxmlformats.org/drawingml/2006/main" xmlns:r="http://schemas.openxmlformats.org/officeDocument/2006/relationships" xmlns:p="http://schemas.openxmlformats.org/presentationml/2006/main">
+  <p:cSld>
+    <p:spTree>
+      <p:nvGrpSpPr>
+        <p:cNvPr id="1" name=""/>
+        <p:cNvGrpSpPr/>
+        <p:nvPr/>
+      </p:nvGrpSpPr>
+      <p:grpSpPr>
+        <a:xfrm>
+          <a:off x="0" y="0"/>
+          <a:ext cx="0" cy="0"/>
+          <a:chOff x="0" y="0"/>
+          <a:chExt cx="0" cy="0"/>
+        </a:xfrm>
+      </p:grpSpPr>
+      <p:sp>
+        <p:nvSpPr>
+          <p:cNvPr id="2" name="幻灯片图像占位符 1"/>
+          <p:cNvSpPr>
+            <a:spLocks noGrp="1" noRot="1" noChangeAspect="1"/>
+          </p:cNvSpPr>
+          <p:nvPr>
+            <p:ph type="sldImg"/>
+          </p:nvPr>
+        </p:nvSpPr>
+        <p:spPr/>
+      </p:sp>
+      <p:sp>
+        <p:nvSpPr>
+          <p:cNvPr id="3" name="备注占位符 2"/>
+          <p:cNvSpPr>
+            <a:spLocks noGrp="1"/>
+          </p:cNvSpPr>
+          <p:nvPr>
+            <p:ph type="body" idx="1"/>
+          </p:nvPr>
+        </p:nvSpPr>
+        <p:spPr/>
+        <p:txBody>
+          <a:bodyPr/>
+          <a:lstStyle/>
+          <a:p>
+            <a:endParaRPr lang="zh-CN" altLang="en-US" dirty="0"/>
+          </a:p>
+        </p:txBody>
+      </p:sp>
+      <p:sp>
+        <p:nvSpPr>
+          <p:cNvPr id="4" name="灯片编号占位符 3"/>
+          <p:cNvSpPr>
+            <a:spLocks noGrp="1"/>
+          </p:cNvSpPr>
+          <p:nvPr>
+            <p:ph type="sldNum" sz="quarter" idx="10"/>
+          </p:nvPr>
+        </p:nvSpPr>
+        <p:spPr/>
+        <p:txBody>
+          <a:bodyPr/>
+          <a:lstStyle/>
+          <a:p>
+            <a:fld id="{7FEA7929-4A57-474E-A421-A77722790567}" type="slidenum">
+              <a:rPr lang="zh-CN" altLang="en-US" smtClean="0"/>
+              <a:t>1</a:t>
+            </a:fld>
+            <a:endParaRPr lang="zh-CN" altLang="en-US"/>
+          </a:p>
+        </p:txBody>
+      </p:sp>
+    </p:spTree>
+    <p:extLst>
+      <p:ext uri="{BB962C8B-B14F-4D97-AF65-F5344CB8AC3E}">
+        <p14:creationId xmlns:p14="http://schemas.microsoft.com/office/powerpoint/2010/main" val="3441326387"/>
+      </p:ext>
+    </p:extLst>
+  </p:cSld>
+  <p:clrMapOvr>
+    <a:masterClrMapping/>
+  </p:clrMapOvr>
+</p:notes>
 </file>
 
 <file path=ppt/slideLayouts/slideLayout1.xml><?xml version="1.0" encoding="utf-8"?>
@@ -238,7 +680,7 @@
           <a:p>
             <a:fld id="{A0789715-4676-45D1-AC2E-C54AA0EE22B0}" type="datetimeFigureOut">
               <a:rPr lang="zh-CN" altLang="en-US" smtClean="0"/>
-              <a:t>2018/5/3</a:t>
+              <a:t>2018/5/22</a:t>
             </a:fld>
             <a:endParaRPr lang="zh-CN" altLang="en-US"/>
           </a:p>
@@ -408,7 +850,7 @@
           <a:p>
             <a:fld id="{A0789715-4676-45D1-AC2E-C54AA0EE22B0}" type="datetimeFigureOut">
               <a:rPr lang="zh-CN" altLang="en-US" smtClean="0"/>
-              <a:t>2018/5/3</a:t>
+              <a:t>2018/5/22</a:t>
             </a:fld>
             <a:endParaRPr lang="zh-CN" altLang="en-US"/>
           </a:p>
@@ -588,7 +1030,7 @@
           <a:p>
             <a:fld id="{A0789715-4676-45D1-AC2E-C54AA0EE22B0}" type="datetimeFigureOut">
               <a:rPr lang="zh-CN" altLang="en-US" smtClean="0"/>
-              <a:t>2018/5/3</a:t>
+              <a:t>2018/5/22</a:t>
             </a:fld>
             <a:endParaRPr lang="zh-CN" altLang="en-US"/>
           </a:p>
@@ -758,7 +1200,7 @@
           <a:p>
             <a:fld id="{A0789715-4676-45D1-AC2E-C54AA0EE22B0}" type="datetimeFigureOut">
               <a:rPr lang="zh-CN" altLang="en-US" smtClean="0"/>
-              <a:t>2018/5/3</a:t>
+              <a:t>2018/5/22</a:t>
             </a:fld>
             <a:endParaRPr lang="zh-CN" altLang="en-US"/>
           </a:p>
@@ -1004,7 +1446,7 @@
           <a:p>
             <a:fld id="{A0789715-4676-45D1-AC2E-C54AA0EE22B0}" type="datetimeFigureOut">
               <a:rPr lang="zh-CN" altLang="en-US" smtClean="0"/>
-              <a:t>2018/5/3</a:t>
+              <a:t>2018/5/22</a:t>
             </a:fld>
             <a:endParaRPr lang="zh-CN" altLang="en-US"/>
           </a:p>
@@ -1236,7 +1678,7 @@
           <a:p>
             <a:fld id="{A0789715-4676-45D1-AC2E-C54AA0EE22B0}" type="datetimeFigureOut">
               <a:rPr lang="zh-CN" altLang="en-US" smtClean="0"/>
-              <a:t>2018/5/3</a:t>
+              <a:t>2018/5/22</a:t>
             </a:fld>
             <a:endParaRPr lang="zh-CN" altLang="en-US"/>
           </a:p>
@@ -1603,7 +2045,7 @@
           <a:p>
             <a:fld id="{A0789715-4676-45D1-AC2E-C54AA0EE22B0}" type="datetimeFigureOut">
               <a:rPr lang="zh-CN" altLang="en-US" smtClean="0"/>
-              <a:t>2018/5/3</a:t>
+              <a:t>2018/5/22</a:t>
             </a:fld>
             <a:endParaRPr lang="zh-CN" altLang="en-US"/>
           </a:p>
@@ -1721,7 +2163,7 @@
           <a:p>
             <a:fld id="{A0789715-4676-45D1-AC2E-C54AA0EE22B0}" type="datetimeFigureOut">
               <a:rPr lang="zh-CN" altLang="en-US" smtClean="0"/>
-              <a:t>2018/5/3</a:t>
+              <a:t>2018/5/22</a:t>
             </a:fld>
             <a:endParaRPr lang="zh-CN" altLang="en-US"/>
           </a:p>
@@ -1816,7 +2258,7 @@
           <a:p>
             <a:fld id="{A0789715-4676-45D1-AC2E-C54AA0EE22B0}" type="datetimeFigureOut">
               <a:rPr lang="zh-CN" altLang="en-US" smtClean="0"/>
-              <a:t>2018/5/3</a:t>
+              <a:t>2018/5/22</a:t>
             </a:fld>
             <a:endParaRPr lang="zh-CN" altLang="en-US"/>
           </a:p>
@@ -2093,7 +2535,7 @@
           <a:p>
             <a:fld id="{A0789715-4676-45D1-AC2E-C54AA0EE22B0}" type="datetimeFigureOut">
               <a:rPr lang="zh-CN" altLang="en-US" smtClean="0"/>
-              <a:t>2018/5/3</a:t>
+              <a:t>2018/5/22</a:t>
             </a:fld>
             <a:endParaRPr lang="zh-CN" altLang="en-US"/>
           </a:p>
@@ -2346,7 +2788,7 @@
           <a:p>
             <a:fld id="{A0789715-4676-45D1-AC2E-C54AA0EE22B0}" type="datetimeFigureOut">
               <a:rPr lang="zh-CN" altLang="en-US" smtClean="0"/>
-              <a:t>2018/5/3</a:t>
+              <a:t>2018/5/22</a:t>
             </a:fld>
             <a:endParaRPr lang="zh-CN" altLang="en-US"/>
           </a:p>
@@ -2559,7 +3001,7 @@
           <a:p>
             <a:fld id="{A0789715-4676-45D1-AC2E-C54AA0EE22B0}" type="datetimeFigureOut">
               <a:rPr lang="zh-CN" altLang="en-US" smtClean="0"/>
-              <a:t>2018/5/3</a:t>
+              <a:t>2018/5/22</a:t>
             </a:fld>
             <a:endParaRPr lang="zh-CN" altLang="en-US"/>
           </a:p>
@@ -2966,44 +3408,515 @@
       </p:grpSpPr>
       <p:grpSp>
         <p:nvGrpSpPr>
-          <p:cNvPr id="54" name="组合 53"/>
+          <p:cNvPr id="2" name="组合 1"/>
           <p:cNvGrpSpPr/>
           <p:nvPr/>
         </p:nvGrpSpPr>
         <p:grpSpPr>
           <a:xfrm>
-            <a:off x="1200840" y="-9640"/>
-            <a:ext cx="7994468" cy="6882532"/>
-            <a:chOff x="1200840" y="-9640"/>
-            <a:chExt cx="7994468" cy="6882532"/>
+            <a:off x="1200840" y="-330925"/>
+            <a:ext cx="7994468" cy="7203817"/>
+            <a:chOff x="1200840" y="-330925"/>
+            <a:chExt cx="7994468" cy="7203817"/>
           </a:xfrm>
         </p:grpSpPr>
+        <p:sp>
+          <p:nvSpPr>
+            <p:cNvPr id="4" name="立方体 3"/>
+            <p:cNvSpPr/>
+            <p:nvPr/>
+          </p:nvSpPr>
+          <p:spPr>
+            <a:xfrm>
+              <a:off x="1200840" y="-330925"/>
+              <a:ext cx="6750572" cy="7188926"/>
+            </a:xfrm>
+            <a:prstGeom prst="cube">
+              <a:avLst>
+                <a:gd name="adj" fmla="val 2967"/>
+              </a:avLst>
+            </a:prstGeom>
+          </p:spPr>
+          <p:style>
+            <a:lnRef idx="2">
+              <a:schemeClr val="dk1"/>
+            </a:lnRef>
+            <a:fillRef idx="1">
+              <a:schemeClr val="lt1"/>
+            </a:fillRef>
+            <a:effectRef idx="0">
+              <a:schemeClr val="dk1"/>
+            </a:effectRef>
+            <a:fontRef idx="minor">
+              <a:schemeClr val="dk1"/>
+            </a:fontRef>
+          </p:style>
+          <p:txBody>
+            <a:bodyPr rtlCol="0" anchor="ctr"/>
+            <a:lstStyle/>
+            <a:p>
+              <a:pPr algn="ctr"/>
+              <a:endParaRPr lang="zh-CN" altLang="en-US">
+                <a:latin typeface="微软雅黑" panose="020B0503020204020204" pitchFamily="34" charset="-122"/>
+                <a:ea typeface="微软雅黑" panose="020B0503020204020204" pitchFamily="34" charset="-122"/>
+              </a:endParaRPr>
+            </a:p>
+          </p:txBody>
+        </p:sp>
+        <p:sp>
+          <p:nvSpPr>
+            <p:cNvPr id="5" name="立方体 4"/>
+            <p:cNvSpPr/>
+            <p:nvPr/>
+          </p:nvSpPr>
+          <p:spPr>
+            <a:xfrm>
+              <a:off x="4076244" y="6245669"/>
+              <a:ext cx="3316073" cy="594911"/>
+            </a:xfrm>
+            <a:prstGeom prst="cube">
+              <a:avLst/>
+            </a:prstGeom>
+          </p:spPr>
+          <p:style>
+            <a:lnRef idx="2">
+              <a:schemeClr val="dk1"/>
+            </a:lnRef>
+            <a:fillRef idx="1">
+              <a:schemeClr val="lt1"/>
+            </a:fillRef>
+            <a:effectRef idx="0">
+              <a:schemeClr val="dk1"/>
+            </a:effectRef>
+            <a:fontRef idx="minor">
+              <a:schemeClr val="dk1"/>
+            </a:fontRef>
+          </p:style>
+          <p:txBody>
+            <a:bodyPr rtlCol="0" anchor="ctr"/>
+            <a:lstStyle/>
+            <a:p>
+              <a:pPr algn="ctr"/>
+              <a:r>
+                <a:rPr lang="zh-CN" altLang="en-US" sz="1600" dirty="0">
+                  <a:latin typeface="微软雅黑" panose="020B0503020204020204" pitchFamily="34" charset="-122"/>
+                  <a:ea typeface="微软雅黑" panose="020B0503020204020204" pitchFamily="34" charset="-122"/>
+                </a:rPr>
+                <a:t>软件工程学</a:t>
+              </a:r>
+            </a:p>
+          </p:txBody>
+        </p:sp>
+        <p:sp>
+          <p:nvSpPr>
+            <p:cNvPr id="6" name="立方体 5"/>
+            <p:cNvSpPr/>
+            <p:nvPr/>
+          </p:nvSpPr>
+          <p:spPr>
+            <a:xfrm>
+              <a:off x="1215989" y="6254380"/>
+              <a:ext cx="2856134" cy="594911"/>
+            </a:xfrm>
+            <a:prstGeom prst="cube">
+              <a:avLst/>
+            </a:prstGeom>
+          </p:spPr>
+          <p:style>
+            <a:lnRef idx="2">
+              <a:schemeClr val="dk1"/>
+            </a:lnRef>
+            <a:fillRef idx="1">
+              <a:schemeClr val="lt1"/>
+            </a:fillRef>
+            <a:effectRef idx="0">
+              <a:schemeClr val="dk1"/>
+            </a:effectRef>
+            <a:fontRef idx="minor">
+              <a:schemeClr val="dk1"/>
+            </a:fontRef>
+          </p:style>
+          <p:txBody>
+            <a:bodyPr rtlCol="0" anchor="ctr"/>
+            <a:lstStyle/>
+            <a:p>
+              <a:pPr algn="ctr"/>
+              <a:r>
+                <a:rPr lang="zh-CN" altLang="en-US" sz="1600" dirty="0">
+                  <a:latin typeface="微软雅黑" panose="020B0503020204020204" pitchFamily="34" charset="-122"/>
+                  <a:ea typeface="微软雅黑" panose="020B0503020204020204" pitchFamily="34" charset="-122"/>
+                </a:rPr>
+                <a:t>北斗时空信息感知理论</a:t>
+              </a:r>
+            </a:p>
+          </p:txBody>
+        </p:sp>
+        <p:sp>
+          <p:nvSpPr>
+            <p:cNvPr id="8" name="立方体 7"/>
+            <p:cNvSpPr/>
+            <p:nvPr/>
+          </p:nvSpPr>
+          <p:spPr>
+            <a:xfrm>
+              <a:off x="2606868" y="5132483"/>
+              <a:ext cx="1167787" cy="363558"/>
+            </a:xfrm>
+            <a:prstGeom prst="cube">
+              <a:avLst/>
+            </a:prstGeom>
+          </p:spPr>
+          <p:style>
+            <a:lnRef idx="2">
+              <a:schemeClr val="dk1"/>
+            </a:lnRef>
+            <a:fillRef idx="1">
+              <a:schemeClr val="lt1"/>
+            </a:fillRef>
+            <a:effectRef idx="0">
+              <a:schemeClr val="dk1"/>
+            </a:effectRef>
+            <a:fontRef idx="minor">
+              <a:schemeClr val="dk1"/>
+            </a:fontRef>
+          </p:style>
+          <p:txBody>
+            <a:bodyPr rtlCol="0" anchor="ctr"/>
+            <a:lstStyle/>
+            <a:p>
+              <a:pPr algn="ctr"/>
+              <a:r>
+                <a:rPr lang="zh-CN" altLang="en-US" sz="1600" dirty="0">
+                  <a:latin typeface="微软雅黑" panose="020B0503020204020204" pitchFamily="34" charset="-122"/>
+                  <a:ea typeface="微软雅黑" panose="020B0503020204020204" pitchFamily="34" charset="-122"/>
+                </a:rPr>
+                <a:t>空间定位</a:t>
+              </a:r>
+            </a:p>
+          </p:txBody>
+        </p:sp>
+        <p:sp>
+          <p:nvSpPr>
+            <p:cNvPr id="9" name="立方体 8"/>
+            <p:cNvSpPr/>
+            <p:nvPr/>
+          </p:nvSpPr>
+          <p:spPr>
+            <a:xfrm>
+              <a:off x="1221497" y="5132483"/>
+              <a:ext cx="1167787" cy="363558"/>
+            </a:xfrm>
+            <a:prstGeom prst="cube">
+              <a:avLst/>
+            </a:prstGeom>
+          </p:spPr>
+          <p:style>
+            <a:lnRef idx="2">
+              <a:schemeClr val="dk1"/>
+            </a:lnRef>
+            <a:fillRef idx="1">
+              <a:schemeClr val="lt1"/>
+            </a:fillRef>
+            <a:effectRef idx="0">
+              <a:schemeClr val="dk1"/>
+            </a:effectRef>
+            <a:fontRef idx="minor">
+              <a:schemeClr val="dk1"/>
+            </a:fontRef>
+          </p:style>
+          <p:txBody>
+            <a:bodyPr rtlCol="0" anchor="ctr"/>
+            <a:lstStyle/>
+            <a:p>
+              <a:pPr algn="ctr"/>
+              <a:r>
+                <a:rPr lang="zh-CN" altLang="en-US" sz="1600" dirty="0">
+                  <a:latin typeface="微软雅黑" panose="020B0503020204020204" pitchFamily="34" charset="-122"/>
+                  <a:ea typeface="微软雅黑" panose="020B0503020204020204" pitchFamily="34" charset="-122"/>
+                </a:rPr>
+                <a:t>时间同步</a:t>
+              </a:r>
+            </a:p>
+          </p:txBody>
+        </p:sp>
+        <p:sp>
+          <p:nvSpPr>
+            <p:cNvPr id="10" name="立方体 9"/>
+            <p:cNvSpPr/>
+            <p:nvPr/>
+          </p:nvSpPr>
+          <p:spPr>
+            <a:xfrm>
+              <a:off x="4076244" y="5142122"/>
+              <a:ext cx="1569900" cy="363558"/>
+            </a:xfrm>
+            <a:prstGeom prst="cube">
+              <a:avLst/>
+            </a:prstGeom>
+          </p:spPr>
+          <p:style>
+            <a:lnRef idx="2">
+              <a:schemeClr val="dk1"/>
+            </a:lnRef>
+            <a:fillRef idx="1">
+              <a:schemeClr val="lt1"/>
+            </a:fillRef>
+            <a:effectRef idx="0">
+              <a:schemeClr val="dk1"/>
+            </a:effectRef>
+            <a:fontRef idx="minor">
+              <a:schemeClr val="dk1"/>
+            </a:fontRef>
+          </p:style>
+          <p:txBody>
+            <a:bodyPr rtlCol="0" anchor="ctr"/>
+            <a:lstStyle/>
+            <a:p>
+              <a:pPr algn="ctr"/>
+              <a:r>
+                <a:rPr lang="zh-CN" altLang="en-US" sz="1600" dirty="0">
+                  <a:latin typeface="微软雅黑" panose="020B0503020204020204" pitchFamily="34" charset="-122"/>
+                  <a:ea typeface="微软雅黑" panose="020B0503020204020204" pitchFamily="34" charset="-122"/>
+                </a:rPr>
+                <a:t>网络坐标系统</a:t>
+              </a:r>
+            </a:p>
+          </p:txBody>
+        </p:sp>
+        <p:sp>
+          <p:nvSpPr>
+            <p:cNvPr id="11" name="立方体 10"/>
+            <p:cNvSpPr/>
+            <p:nvPr/>
+          </p:nvSpPr>
+          <p:spPr>
+            <a:xfrm>
+              <a:off x="5741166" y="5142122"/>
+              <a:ext cx="1580919" cy="363558"/>
+            </a:xfrm>
+            <a:prstGeom prst="cube">
+              <a:avLst/>
+            </a:prstGeom>
+          </p:spPr>
+          <p:style>
+            <a:lnRef idx="2">
+              <a:schemeClr val="dk1"/>
+            </a:lnRef>
+            <a:fillRef idx="1">
+              <a:schemeClr val="lt1"/>
+            </a:fillRef>
+            <a:effectRef idx="0">
+              <a:schemeClr val="dk1"/>
+            </a:effectRef>
+            <a:fontRef idx="minor">
+              <a:schemeClr val="dk1"/>
+            </a:fontRef>
+          </p:style>
+          <p:txBody>
+            <a:bodyPr rtlCol="0" anchor="ctr"/>
+            <a:lstStyle/>
+            <a:p>
+              <a:pPr algn="ctr"/>
+              <a:r>
+                <a:rPr lang="zh-CN" altLang="en-US" sz="1600" dirty="0">
+                  <a:latin typeface="微软雅黑" panose="020B0503020204020204" pitchFamily="34" charset="-122"/>
+                  <a:ea typeface="微软雅黑" panose="020B0503020204020204" pitchFamily="34" charset="-122"/>
+                </a:rPr>
+                <a:t>软件定义网络</a:t>
+              </a:r>
+            </a:p>
+          </p:txBody>
+        </p:sp>
+        <p:sp>
+          <p:nvSpPr>
+            <p:cNvPr id="12" name="下箭头 11"/>
+            <p:cNvSpPr/>
+            <p:nvPr/>
+          </p:nvSpPr>
+          <p:spPr>
+            <a:xfrm rot="10800000">
+              <a:off x="1645645" y="5505681"/>
+              <a:ext cx="319489" cy="757406"/>
+            </a:xfrm>
+            <a:prstGeom prst="downArrow">
+              <a:avLst/>
+            </a:prstGeom>
+          </p:spPr>
+          <p:style>
+            <a:lnRef idx="2">
+              <a:schemeClr val="dk1"/>
+            </a:lnRef>
+            <a:fillRef idx="1">
+              <a:schemeClr val="lt1"/>
+            </a:fillRef>
+            <a:effectRef idx="0">
+              <a:schemeClr val="dk1"/>
+            </a:effectRef>
+            <a:fontRef idx="minor">
+              <a:schemeClr val="dk1"/>
+            </a:fontRef>
+          </p:style>
+          <p:txBody>
+            <a:bodyPr rtlCol="0" anchor="ctr"/>
+            <a:lstStyle/>
+            <a:p>
+              <a:pPr algn="ctr"/>
+              <a:endParaRPr lang="zh-CN" altLang="en-US">
+                <a:latin typeface="微软雅黑" panose="020B0503020204020204" pitchFamily="34" charset="-122"/>
+                <a:ea typeface="微软雅黑" panose="020B0503020204020204" pitchFamily="34" charset="-122"/>
+              </a:endParaRPr>
+            </a:p>
+          </p:txBody>
+        </p:sp>
+        <p:sp>
+          <p:nvSpPr>
+            <p:cNvPr id="14" name="下箭头 13"/>
+            <p:cNvSpPr/>
+            <p:nvPr/>
+          </p:nvSpPr>
+          <p:spPr>
+            <a:xfrm rot="10800000">
+              <a:off x="3031016" y="5505680"/>
+              <a:ext cx="319489" cy="757406"/>
+            </a:xfrm>
+            <a:prstGeom prst="downArrow">
+              <a:avLst/>
+            </a:prstGeom>
+          </p:spPr>
+          <p:style>
+            <a:lnRef idx="2">
+              <a:schemeClr val="dk1"/>
+            </a:lnRef>
+            <a:fillRef idx="1">
+              <a:schemeClr val="lt1"/>
+            </a:fillRef>
+            <a:effectRef idx="0">
+              <a:schemeClr val="dk1"/>
+            </a:effectRef>
+            <a:fontRef idx="minor">
+              <a:schemeClr val="dk1"/>
+            </a:fontRef>
+          </p:style>
+          <p:txBody>
+            <a:bodyPr rtlCol="0" anchor="ctr"/>
+            <a:lstStyle/>
+            <a:p>
+              <a:pPr algn="ctr"/>
+              <a:endParaRPr lang="zh-CN" altLang="en-US">
+                <a:latin typeface="微软雅黑" panose="020B0503020204020204" pitchFamily="34" charset="-122"/>
+                <a:ea typeface="微软雅黑" panose="020B0503020204020204" pitchFamily="34" charset="-122"/>
+              </a:endParaRPr>
+            </a:p>
+          </p:txBody>
+        </p:sp>
+        <p:sp>
+          <p:nvSpPr>
+            <p:cNvPr id="15" name="下箭头 14"/>
+            <p:cNvSpPr/>
+            <p:nvPr/>
+          </p:nvSpPr>
+          <p:spPr>
+            <a:xfrm rot="10800000">
+              <a:off x="4695939" y="5505680"/>
+              <a:ext cx="319489" cy="757406"/>
+            </a:xfrm>
+            <a:prstGeom prst="downArrow">
+              <a:avLst/>
+            </a:prstGeom>
+          </p:spPr>
+          <p:style>
+            <a:lnRef idx="2">
+              <a:schemeClr val="dk1"/>
+            </a:lnRef>
+            <a:fillRef idx="1">
+              <a:schemeClr val="lt1"/>
+            </a:fillRef>
+            <a:effectRef idx="0">
+              <a:schemeClr val="dk1"/>
+            </a:effectRef>
+            <a:fontRef idx="minor">
+              <a:schemeClr val="dk1"/>
+            </a:fontRef>
+          </p:style>
+          <p:txBody>
+            <a:bodyPr rtlCol="0" anchor="ctr"/>
+            <a:lstStyle/>
+            <a:p>
+              <a:pPr algn="ctr"/>
+              <a:endParaRPr lang="zh-CN" altLang="en-US">
+                <a:latin typeface="微软雅黑" panose="020B0503020204020204" pitchFamily="34" charset="-122"/>
+                <a:ea typeface="微软雅黑" panose="020B0503020204020204" pitchFamily="34" charset="-122"/>
+              </a:endParaRPr>
+            </a:p>
+          </p:txBody>
+        </p:sp>
+        <p:sp>
+          <p:nvSpPr>
+            <p:cNvPr id="16" name="下箭头 15"/>
+            <p:cNvSpPr/>
+            <p:nvPr/>
+          </p:nvSpPr>
+          <p:spPr>
+            <a:xfrm rot="10800000">
+              <a:off x="6371880" y="5496041"/>
+              <a:ext cx="319489" cy="757406"/>
+            </a:xfrm>
+            <a:prstGeom prst="downArrow">
+              <a:avLst/>
+            </a:prstGeom>
+          </p:spPr>
+          <p:style>
+            <a:lnRef idx="2">
+              <a:schemeClr val="dk1"/>
+            </a:lnRef>
+            <a:fillRef idx="1">
+              <a:schemeClr val="lt1"/>
+            </a:fillRef>
+            <a:effectRef idx="0">
+              <a:schemeClr val="dk1"/>
+            </a:effectRef>
+            <a:fontRef idx="minor">
+              <a:schemeClr val="dk1"/>
+            </a:fontRef>
+          </p:style>
+          <p:txBody>
+            <a:bodyPr rtlCol="0" anchor="ctr"/>
+            <a:lstStyle/>
+            <a:p>
+              <a:pPr algn="ctr"/>
+              <a:endParaRPr lang="zh-CN" altLang="en-US">
+                <a:latin typeface="微软雅黑" panose="020B0503020204020204" pitchFamily="34" charset="-122"/>
+                <a:ea typeface="微软雅黑" panose="020B0503020204020204" pitchFamily="34" charset="-122"/>
+              </a:endParaRPr>
+            </a:p>
+          </p:txBody>
+        </p:sp>
         <p:grpSp>
           <p:nvGrpSpPr>
-            <p:cNvPr id="52" name="组合 51"/>
+            <p:cNvPr id="22" name="组合 21"/>
             <p:cNvGrpSpPr/>
             <p:nvPr/>
           </p:nvGrpSpPr>
           <p:grpSpPr>
             <a:xfrm>
-              <a:off x="1200840" y="-9640"/>
-              <a:ext cx="7994468" cy="6882532"/>
-              <a:chOff x="1200840" y="-9640"/>
-              <a:chExt cx="7994468" cy="6882532"/>
+              <a:off x="1242545" y="1972018"/>
+              <a:ext cx="6104328" cy="1603211"/>
+              <a:chOff x="1242545" y="2188342"/>
+              <a:chExt cx="6104328" cy="1816546"/>
             </a:xfrm>
           </p:grpSpPr>
           <p:sp>
             <p:nvSpPr>
-              <p:cNvPr id="4" name="矩形 3"/>
+              <p:cNvPr id="17" name="圆角矩形 16"/>
               <p:cNvSpPr/>
               <p:nvPr/>
             </p:nvSpPr>
             <p:spPr>
               <a:xfrm>
-                <a:off x="1200840" y="0"/>
-                <a:ext cx="6191478" cy="6858000"/>
+                <a:off x="1246285" y="2188342"/>
+                <a:ext cx="6100588" cy="1816546"/>
               </a:xfrm>
-              <a:prstGeom prst="rect">
+              <a:prstGeom prst="cube">
                 <a:avLst/>
               </a:prstGeom>
             </p:spPr>
@@ -3026,45 +3939,25 @@
               <a:lstStyle/>
               <a:p>
                 <a:pPr algn="ctr"/>
-                <a:endParaRPr lang="zh-CN" altLang="en-US">
+                <a:endParaRPr lang="en-US" altLang="zh-CN" dirty="0">
                   <a:latin typeface="微软雅黑" panose="020B0503020204020204" pitchFamily="34" charset="-122"/>
                   <a:ea typeface="微软雅黑" panose="020B0503020204020204" pitchFamily="34" charset="-122"/>
                 </a:endParaRPr>
               </a:p>
-            </p:txBody>
-          </p:sp>
-          <p:sp>
-            <p:nvSpPr>
-              <p:cNvPr id="5" name="矩形 4"/>
-              <p:cNvSpPr/>
-              <p:nvPr/>
-            </p:nvSpPr>
-            <p:spPr>
-              <a:xfrm>
-                <a:off x="4076244" y="6263087"/>
-                <a:ext cx="3316073" cy="594911"/>
-              </a:xfrm>
-              <a:prstGeom prst="rect">
-                <a:avLst/>
-              </a:prstGeom>
-            </p:spPr>
-            <p:style>
-              <a:lnRef idx="2">
-                <a:schemeClr val="dk1"/>
-              </a:lnRef>
-              <a:fillRef idx="1">
-                <a:schemeClr val="lt1"/>
-              </a:fillRef>
-              <a:effectRef idx="0">
-                <a:schemeClr val="dk1"/>
-              </a:effectRef>
-              <a:fontRef idx="minor">
-                <a:schemeClr val="dk1"/>
-              </a:fontRef>
-            </p:style>
-            <p:txBody>
-              <a:bodyPr rtlCol="0" anchor="ctr"/>
-              <a:lstStyle/>
+              <a:p>
+                <a:pPr algn="ctr"/>
+                <a:endParaRPr lang="en-US" altLang="zh-CN" dirty="0">
+                  <a:latin typeface="微软雅黑" panose="020B0503020204020204" pitchFamily="34" charset="-122"/>
+                  <a:ea typeface="微软雅黑" panose="020B0503020204020204" pitchFamily="34" charset="-122"/>
+                </a:endParaRPr>
+              </a:p>
+              <a:p>
+                <a:pPr algn="ctr"/>
+                <a:endParaRPr lang="en-US" altLang="zh-CN" dirty="0">
+                  <a:latin typeface="微软雅黑" panose="020B0503020204020204" pitchFamily="34" charset="-122"/>
+                  <a:ea typeface="微软雅黑" panose="020B0503020204020204" pitchFamily="34" charset="-122"/>
+                </a:endParaRPr>
+              </a:p>
               <a:p>
                 <a:pPr algn="ctr"/>
                 <a:r>
@@ -3072,423 +3965,40 @@
                     <a:latin typeface="微软雅黑" panose="020B0503020204020204" pitchFamily="34" charset="-122"/>
                     <a:ea typeface="微软雅黑" panose="020B0503020204020204" pitchFamily="34" charset="-122"/>
                   </a:rPr>
-                  <a:t>软件工程学</a:t>
+                  <a:t>可编程高精度时空网络坐标系统</a:t>
                 </a:r>
-              </a:p>
-            </p:txBody>
-          </p:sp>
-          <p:sp>
-            <p:nvSpPr>
-              <p:cNvPr id="6" name="矩形 5"/>
-              <p:cNvSpPr/>
-              <p:nvPr/>
-            </p:nvSpPr>
-            <p:spPr>
-              <a:xfrm>
-                <a:off x="1215989" y="6263089"/>
-                <a:ext cx="2856134" cy="594911"/>
-              </a:xfrm>
-              <a:prstGeom prst="rect">
-                <a:avLst/>
-              </a:prstGeom>
-            </p:spPr>
-            <p:style>
-              <a:lnRef idx="2">
-                <a:schemeClr val="dk1"/>
-              </a:lnRef>
-              <a:fillRef idx="1">
-                <a:schemeClr val="lt1"/>
-              </a:fillRef>
-              <a:effectRef idx="0">
-                <a:schemeClr val="dk1"/>
-              </a:effectRef>
-              <a:fontRef idx="minor">
-                <a:schemeClr val="dk1"/>
-              </a:fontRef>
-            </p:style>
-            <p:txBody>
-              <a:bodyPr rtlCol="0" anchor="ctr"/>
-              <a:lstStyle/>
-              <a:p>
-                <a:pPr algn="ctr"/>
-                <a:r>
-                  <a:rPr lang="zh-CN" altLang="en-US" sz="1600" dirty="0">
-                    <a:latin typeface="微软雅黑" panose="020B0503020204020204" pitchFamily="34" charset="-122"/>
-                    <a:ea typeface="微软雅黑" panose="020B0503020204020204" pitchFamily="34" charset="-122"/>
-                  </a:rPr>
-                  <a:t>北斗时空信息感知理论</a:t>
-                </a:r>
-              </a:p>
-            </p:txBody>
-          </p:sp>
-          <p:sp>
-            <p:nvSpPr>
-              <p:cNvPr id="8" name="矩形 7"/>
-              <p:cNvSpPr/>
-              <p:nvPr/>
-            </p:nvSpPr>
-            <p:spPr>
-              <a:xfrm>
-                <a:off x="2606868" y="5132483"/>
-                <a:ext cx="1167787" cy="363558"/>
-              </a:xfrm>
-              <a:prstGeom prst="rect">
-                <a:avLst/>
-              </a:prstGeom>
-            </p:spPr>
-            <p:style>
-              <a:lnRef idx="2">
-                <a:schemeClr val="dk1"/>
-              </a:lnRef>
-              <a:fillRef idx="1">
-                <a:schemeClr val="lt1"/>
-              </a:fillRef>
-              <a:effectRef idx="0">
-                <a:schemeClr val="dk1"/>
-              </a:effectRef>
-              <a:fontRef idx="minor">
-                <a:schemeClr val="dk1"/>
-              </a:fontRef>
-            </p:style>
-            <p:txBody>
-              <a:bodyPr rtlCol="0" anchor="ctr"/>
-              <a:lstStyle/>
-              <a:p>
-                <a:pPr algn="ctr"/>
-                <a:r>
-                  <a:rPr lang="zh-CN" altLang="en-US" sz="1600" dirty="0">
-                    <a:latin typeface="微软雅黑" panose="020B0503020204020204" pitchFamily="34" charset="-122"/>
-                    <a:ea typeface="微软雅黑" panose="020B0503020204020204" pitchFamily="34" charset="-122"/>
-                  </a:rPr>
-                  <a:t>空间定位</a:t>
-                </a:r>
-              </a:p>
-            </p:txBody>
-          </p:sp>
-          <p:sp>
-            <p:nvSpPr>
-              <p:cNvPr id="9" name="矩形 8"/>
-              <p:cNvSpPr/>
-              <p:nvPr/>
-            </p:nvSpPr>
-            <p:spPr>
-              <a:xfrm>
-                <a:off x="1221497" y="5132483"/>
-                <a:ext cx="1167787" cy="363558"/>
-              </a:xfrm>
-              <a:prstGeom prst="rect">
-                <a:avLst/>
-              </a:prstGeom>
-            </p:spPr>
-            <p:style>
-              <a:lnRef idx="2">
-                <a:schemeClr val="dk1"/>
-              </a:lnRef>
-              <a:fillRef idx="1">
-                <a:schemeClr val="lt1"/>
-              </a:fillRef>
-              <a:effectRef idx="0">
-                <a:schemeClr val="dk1"/>
-              </a:effectRef>
-              <a:fontRef idx="minor">
-                <a:schemeClr val="dk1"/>
-              </a:fontRef>
-            </p:style>
-            <p:txBody>
-              <a:bodyPr rtlCol="0" anchor="ctr"/>
-              <a:lstStyle/>
-              <a:p>
-                <a:pPr algn="ctr"/>
-                <a:r>
-                  <a:rPr lang="zh-CN" altLang="en-US" sz="1600" dirty="0">
-                    <a:latin typeface="微软雅黑" panose="020B0503020204020204" pitchFamily="34" charset="-122"/>
-                    <a:ea typeface="微软雅黑" panose="020B0503020204020204" pitchFamily="34" charset="-122"/>
-                  </a:rPr>
-                  <a:t>时间同步</a:t>
-                </a:r>
-              </a:p>
-            </p:txBody>
-          </p:sp>
-          <p:sp>
-            <p:nvSpPr>
-              <p:cNvPr id="10" name="矩形 9"/>
-              <p:cNvSpPr/>
-              <p:nvPr/>
-            </p:nvSpPr>
-            <p:spPr>
-              <a:xfrm>
-                <a:off x="4076244" y="5142122"/>
-                <a:ext cx="1569900" cy="363558"/>
-              </a:xfrm>
-              <a:prstGeom prst="rect">
-                <a:avLst/>
-              </a:prstGeom>
-            </p:spPr>
-            <p:style>
-              <a:lnRef idx="2">
-                <a:schemeClr val="dk1"/>
-              </a:lnRef>
-              <a:fillRef idx="1">
-                <a:schemeClr val="lt1"/>
-              </a:fillRef>
-              <a:effectRef idx="0">
-                <a:schemeClr val="dk1"/>
-              </a:effectRef>
-              <a:fontRef idx="minor">
-                <a:schemeClr val="dk1"/>
-              </a:fontRef>
-            </p:style>
-            <p:txBody>
-              <a:bodyPr rtlCol="0" anchor="ctr"/>
-              <a:lstStyle/>
-              <a:p>
-                <a:pPr algn="ctr"/>
-                <a:r>
-                  <a:rPr lang="zh-CN" altLang="en-US" sz="1600" dirty="0">
-                    <a:latin typeface="微软雅黑" panose="020B0503020204020204" pitchFamily="34" charset="-122"/>
-                    <a:ea typeface="微软雅黑" panose="020B0503020204020204" pitchFamily="34" charset="-122"/>
-                  </a:rPr>
-                  <a:t>网络坐标系统</a:t>
-                </a:r>
-              </a:p>
-            </p:txBody>
-          </p:sp>
-          <p:sp>
-            <p:nvSpPr>
-              <p:cNvPr id="11" name="矩形 10"/>
-              <p:cNvSpPr/>
-              <p:nvPr/>
-            </p:nvSpPr>
-            <p:spPr>
-              <a:xfrm>
-                <a:off x="5741166" y="5142122"/>
-                <a:ext cx="1580919" cy="363558"/>
-              </a:xfrm>
-              <a:prstGeom prst="rect">
-                <a:avLst/>
-              </a:prstGeom>
-            </p:spPr>
-            <p:style>
-              <a:lnRef idx="2">
-                <a:schemeClr val="dk1"/>
-              </a:lnRef>
-              <a:fillRef idx="1">
-                <a:schemeClr val="lt1"/>
-              </a:fillRef>
-              <a:effectRef idx="0">
-                <a:schemeClr val="dk1"/>
-              </a:effectRef>
-              <a:fontRef idx="minor">
-                <a:schemeClr val="dk1"/>
-              </a:fontRef>
-            </p:style>
-            <p:txBody>
-              <a:bodyPr rtlCol="0" anchor="ctr"/>
-              <a:lstStyle/>
-              <a:p>
-                <a:pPr algn="ctr"/>
-                <a:r>
-                  <a:rPr lang="zh-CN" altLang="en-US" sz="1600" dirty="0">
-                    <a:latin typeface="微软雅黑" panose="020B0503020204020204" pitchFamily="34" charset="-122"/>
-                    <a:ea typeface="微软雅黑" panose="020B0503020204020204" pitchFamily="34" charset="-122"/>
-                  </a:rPr>
-                  <a:t>软件定义网络</a:t>
-                </a:r>
-              </a:p>
-            </p:txBody>
-          </p:sp>
-          <p:sp>
-            <p:nvSpPr>
-              <p:cNvPr id="12" name="下箭头 11"/>
-              <p:cNvSpPr/>
-              <p:nvPr/>
-            </p:nvSpPr>
-            <p:spPr>
-              <a:xfrm rot="10800000">
-                <a:off x="1645645" y="5505681"/>
-                <a:ext cx="319489" cy="757406"/>
-              </a:xfrm>
-              <a:prstGeom prst="downArrow">
-                <a:avLst/>
-              </a:prstGeom>
-            </p:spPr>
-            <p:style>
-              <a:lnRef idx="2">
-                <a:schemeClr val="dk1"/>
-              </a:lnRef>
-              <a:fillRef idx="1">
-                <a:schemeClr val="lt1"/>
-              </a:fillRef>
-              <a:effectRef idx="0">
-                <a:schemeClr val="dk1"/>
-              </a:effectRef>
-              <a:fontRef idx="minor">
-                <a:schemeClr val="dk1"/>
-              </a:fontRef>
-            </p:style>
-            <p:txBody>
-              <a:bodyPr rtlCol="0" anchor="ctr"/>
-              <a:lstStyle/>
-              <a:p>
-                <a:pPr algn="ctr"/>
-                <a:endParaRPr lang="zh-CN" altLang="en-US">
-                  <a:latin typeface="微软雅黑" panose="020B0503020204020204" pitchFamily="34" charset="-122"/>
-                  <a:ea typeface="微软雅黑" panose="020B0503020204020204" pitchFamily="34" charset="-122"/>
-                </a:endParaRPr>
-              </a:p>
-            </p:txBody>
-          </p:sp>
-          <p:sp>
-            <p:nvSpPr>
-              <p:cNvPr id="14" name="下箭头 13"/>
-              <p:cNvSpPr/>
-              <p:nvPr/>
-            </p:nvSpPr>
-            <p:spPr>
-              <a:xfrm rot="10800000">
-                <a:off x="3031016" y="5505680"/>
-                <a:ext cx="319489" cy="757406"/>
-              </a:xfrm>
-              <a:prstGeom prst="downArrow">
-                <a:avLst/>
-              </a:prstGeom>
-            </p:spPr>
-            <p:style>
-              <a:lnRef idx="2">
-                <a:schemeClr val="dk1"/>
-              </a:lnRef>
-              <a:fillRef idx="1">
-                <a:schemeClr val="lt1"/>
-              </a:fillRef>
-              <a:effectRef idx="0">
-                <a:schemeClr val="dk1"/>
-              </a:effectRef>
-              <a:fontRef idx="minor">
-                <a:schemeClr val="dk1"/>
-              </a:fontRef>
-            </p:style>
-            <p:txBody>
-              <a:bodyPr rtlCol="0" anchor="ctr"/>
-              <a:lstStyle/>
-              <a:p>
-                <a:pPr algn="ctr"/>
-                <a:endParaRPr lang="zh-CN" altLang="en-US">
-                  <a:latin typeface="微软雅黑" panose="020B0503020204020204" pitchFamily="34" charset="-122"/>
-                  <a:ea typeface="微软雅黑" panose="020B0503020204020204" pitchFamily="34" charset="-122"/>
-                </a:endParaRPr>
-              </a:p>
-            </p:txBody>
-          </p:sp>
-          <p:sp>
-            <p:nvSpPr>
-              <p:cNvPr id="15" name="下箭头 14"/>
-              <p:cNvSpPr/>
-              <p:nvPr/>
-            </p:nvSpPr>
-            <p:spPr>
-              <a:xfrm rot="10800000">
-                <a:off x="4695939" y="5505680"/>
-                <a:ext cx="319489" cy="757406"/>
-              </a:xfrm>
-              <a:prstGeom prst="downArrow">
-                <a:avLst/>
-              </a:prstGeom>
-            </p:spPr>
-            <p:style>
-              <a:lnRef idx="2">
-                <a:schemeClr val="dk1"/>
-              </a:lnRef>
-              <a:fillRef idx="1">
-                <a:schemeClr val="lt1"/>
-              </a:fillRef>
-              <a:effectRef idx="0">
-                <a:schemeClr val="dk1"/>
-              </a:effectRef>
-              <a:fontRef idx="minor">
-                <a:schemeClr val="dk1"/>
-              </a:fontRef>
-            </p:style>
-            <p:txBody>
-              <a:bodyPr rtlCol="0" anchor="ctr"/>
-              <a:lstStyle/>
-              <a:p>
-                <a:pPr algn="ctr"/>
-                <a:endParaRPr lang="zh-CN" altLang="en-US">
-                  <a:latin typeface="微软雅黑" panose="020B0503020204020204" pitchFamily="34" charset="-122"/>
-                  <a:ea typeface="微软雅黑" panose="020B0503020204020204" pitchFamily="34" charset="-122"/>
-                </a:endParaRPr>
-              </a:p>
-            </p:txBody>
-          </p:sp>
-          <p:sp>
-            <p:nvSpPr>
-              <p:cNvPr id="16" name="下箭头 15"/>
-              <p:cNvSpPr/>
-              <p:nvPr/>
-            </p:nvSpPr>
-            <p:spPr>
-              <a:xfrm rot="10800000">
-                <a:off x="6371880" y="5496041"/>
-                <a:ext cx="319489" cy="757406"/>
-              </a:xfrm>
-              <a:prstGeom prst="downArrow">
-                <a:avLst/>
-              </a:prstGeom>
-            </p:spPr>
-            <p:style>
-              <a:lnRef idx="2">
-                <a:schemeClr val="dk1"/>
-              </a:lnRef>
-              <a:fillRef idx="1">
-                <a:schemeClr val="lt1"/>
-              </a:fillRef>
-              <a:effectRef idx="0">
-                <a:schemeClr val="dk1"/>
-              </a:effectRef>
-              <a:fontRef idx="minor">
-                <a:schemeClr val="dk1"/>
-              </a:fontRef>
-            </p:style>
-            <p:txBody>
-              <a:bodyPr rtlCol="0" anchor="ctr"/>
-              <a:lstStyle/>
-              <a:p>
-                <a:pPr algn="ctr"/>
-                <a:endParaRPr lang="zh-CN" altLang="en-US">
-                  <a:latin typeface="微软雅黑" panose="020B0503020204020204" pitchFamily="34" charset="-122"/>
-                  <a:ea typeface="微软雅黑" panose="020B0503020204020204" pitchFamily="34" charset="-122"/>
-                </a:endParaRPr>
               </a:p>
             </p:txBody>
           </p:sp>
           <p:grpSp>
             <p:nvGrpSpPr>
-              <p:cNvPr id="22" name="组合 21"/>
+              <p:cNvPr id="21" name="组合 20"/>
               <p:cNvGrpSpPr/>
               <p:nvPr/>
             </p:nvGrpSpPr>
             <p:grpSpPr>
               <a:xfrm>
-                <a:off x="1246285" y="1972018"/>
-                <a:ext cx="6100588" cy="1603211"/>
-                <a:chOff x="1246285" y="2188342"/>
-                <a:chExt cx="6100588" cy="1816546"/>
+                <a:off x="1242545" y="2748501"/>
+                <a:ext cx="5666565" cy="645683"/>
+                <a:chOff x="1190227" y="3134268"/>
+                <a:chExt cx="5666565" cy="645683"/>
               </a:xfrm>
             </p:grpSpPr>
             <p:sp>
               <p:nvSpPr>
-                <p:cNvPr id="17" name="圆角矩形 16"/>
+                <p:cNvPr id="18" name="圆角矩形 17"/>
                 <p:cNvSpPr/>
                 <p:nvPr/>
               </p:nvSpPr>
               <p:spPr>
                 <a:xfrm>
-                  <a:off x="1246285" y="2188342"/>
-                  <a:ext cx="6100588" cy="1816546"/>
+                  <a:off x="1190227" y="3134268"/>
+                  <a:ext cx="1921066" cy="641733"/>
                 </a:xfrm>
-                <a:prstGeom prst="roundRect">
+                <a:prstGeom prst="cube">
                   <a:avLst/>
                 </a:prstGeom>
+                <a:ln/>
               </p:spPr>
               <p:style>
                 <a:lnRef idx="2">
@@ -3509,25 +4019,49 @@
                 <a:lstStyle/>
                 <a:p>
                   <a:pPr algn="ctr"/>
-                  <a:endParaRPr lang="en-US" altLang="zh-CN" dirty="0">
-                    <a:latin typeface="微软雅黑" panose="020B0503020204020204" pitchFamily="34" charset="-122"/>
-                    <a:ea typeface="微软雅黑" panose="020B0503020204020204" pitchFamily="34" charset="-122"/>
-                  </a:endParaRPr>
+                  <a:r>
+                    <a:rPr lang="zh-CN" altLang="en-US" sz="1600" dirty="0">
+                      <a:latin typeface="微软雅黑" panose="020B0503020204020204" pitchFamily="34" charset="-122"/>
+                      <a:ea typeface="微软雅黑" panose="020B0503020204020204" pitchFamily="34" charset="-122"/>
+                    </a:rPr>
+                    <a:t>物理网络层</a:t>
+                  </a:r>
                 </a:p>
-                <a:p>
-                  <a:pPr algn="ctr"/>
-                  <a:endParaRPr lang="en-US" altLang="zh-CN" dirty="0">
-                    <a:latin typeface="微软雅黑" panose="020B0503020204020204" pitchFamily="34" charset="-122"/>
-                    <a:ea typeface="微软雅黑" panose="020B0503020204020204" pitchFamily="34" charset="-122"/>
-                  </a:endParaRPr>
-                </a:p>
-                <a:p>
-                  <a:pPr algn="ctr"/>
-                  <a:endParaRPr lang="en-US" altLang="zh-CN" dirty="0">
-                    <a:latin typeface="微软雅黑" panose="020B0503020204020204" pitchFamily="34" charset="-122"/>
-                    <a:ea typeface="微软雅黑" panose="020B0503020204020204" pitchFamily="34" charset="-122"/>
-                  </a:endParaRPr>
-                </a:p>
+              </p:txBody>
+            </p:sp>
+            <p:sp>
+              <p:nvSpPr>
+                <p:cNvPr id="19" name="圆角矩形 18"/>
+                <p:cNvSpPr/>
+                <p:nvPr/>
+              </p:nvSpPr>
+              <p:spPr>
+                <a:xfrm>
+                  <a:off x="3105310" y="3137199"/>
+                  <a:ext cx="1874935" cy="641733"/>
+                </a:xfrm>
+                <a:prstGeom prst="cube">
+                  <a:avLst/>
+                </a:prstGeom>
+                <a:ln/>
+              </p:spPr>
+              <p:style>
+                <a:lnRef idx="2">
+                  <a:schemeClr val="dk1"/>
+                </a:lnRef>
+                <a:fillRef idx="1">
+                  <a:schemeClr val="lt1"/>
+                </a:fillRef>
+                <a:effectRef idx="0">
+                  <a:schemeClr val="dk1"/>
+                </a:effectRef>
+                <a:fontRef idx="minor">
+                  <a:schemeClr val="dk1"/>
+                </a:fontRef>
+              </p:style>
+              <p:txBody>
+                <a:bodyPr rtlCol="0" anchor="ctr"/>
+                <a:lstStyle/>
                 <a:p>
                   <a:pPr algn="ctr"/>
                   <a:r>
@@ -3535,1475 +4069,1388 @@
                       <a:latin typeface="微软雅黑" panose="020B0503020204020204" pitchFamily="34" charset="-122"/>
                       <a:ea typeface="微软雅黑" panose="020B0503020204020204" pitchFamily="34" charset="-122"/>
                     </a:rPr>
-                    <a:t>可编程高精度时空网络坐标系统</a:t>
+                    <a:t>数据平面层</a:t>
                   </a:r>
                 </a:p>
               </p:txBody>
             </p:sp>
-            <p:grpSp>
-              <p:nvGrpSpPr>
-                <p:cNvPr id="21" name="组合 20"/>
-                <p:cNvGrpSpPr/>
+            <p:sp>
+              <p:nvSpPr>
+                <p:cNvPr id="20" name="圆角矩形 19"/>
+                <p:cNvSpPr/>
                 <p:nvPr/>
-              </p:nvGrpSpPr>
-              <p:grpSpPr>
+              </p:nvSpPr>
+              <p:spPr>
                 <a:xfrm>
-                  <a:off x="1304110" y="2535089"/>
-                  <a:ext cx="5960136" cy="652186"/>
-                  <a:chOff x="1251792" y="2920856"/>
-                  <a:chExt cx="5960136" cy="652186"/>
+                  <a:off x="4981857" y="3138218"/>
+                  <a:ext cx="1874935" cy="641733"/>
                 </a:xfrm>
-              </p:grpSpPr>
-              <p:sp>
-                <p:nvSpPr>
-                  <p:cNvPr id="18" name="圆角矩形 17"/>
-                  <p:cNvSpPr/>
-                  <p:nvPr/>
-                </p:nvSpPr>
-                <p:spPr>
-                  <a:xfrm>
-                    <a:off x="1251792" y="2925327"/>
-                    <a:ext cx="1921066" cy="641733"/>
-                  </a:xfrm>
-                  <a:prstGeom prst="roundRect">
-                    <a:avLst/>
-                  </a:prstGeom>
-                  <a:ln/>
-                </p:spPr>
-                <p:style>
-                  <a:lnRef idx="2">
-                    <a:schemeClr val="dk1"/>
-                  </a:lnRef>
-                  <a:fillRef idx="1">
-                    <a:schemeClr val="lt1"/>
-                  </a:fillRef>
-                  <a:effectRef idx="0">
-                    <a:schemeClr val="dk1"/>
-                  </a:effectRef>
-                  <a:fontRef idx="minor">
-                    <a:schemeClr val="dk1"/>
-                  </a:fontRef>
-                </p:style>
-                <p:txBody>
-                  <a:bodyPr rtlCol="0" anchor="ctr"/>
-                  <a:lstStyle/>
-                  <a:p>
-                    <a:pPr algn="ctr"/>
-                    <a:r>
-                      <a:rPr lang="zh-CN" altLang="en-US" sz="1600" dirty="0">
-                        <a:latin typeface="微软雅黑" panose="020B0503020204020204" pitchFamily="34" charset="-122"/>
-                        <a:ea typeface="微软雅黑" panose="020B0503020204020204" pitchFamily="34" charset="-122"/>
-                      </a:rPr>
-                      <a:t>物理网络层</a:t>
-                    </a:r>
-                  </a:p>
-                </p:txBody>
-              </p:sp>
-              <p:sp>
-                <p:nvSpPr>
-                  <p:cNvPr id="19" name="圆角矩形 18"/>
-                  <p:cNvSpPr/>
-                  <p:nvPr/>
-                </p:nvSpPr>
-                <p:spPr>
-                  <a:xfrm>
-                    <a:off x="3317458" y="2920856"/>
-                    <a:ext cx="1874935" cy="641733"/>
-                  </a:xfrm>
-                  <a:prstGeom prst="roundRect">
-                    <a:avLst/>
-                  </a:prstGeom>
-                  <a:ln/>
-                </p:spPr>
-                <p:style>
-                  <a:lnRef idx="2">
-                    <a:schemeClr val="dk1"/>
-                  </a:lnRef>
-                  <a:fillRef idx="1">
-                    <a:schemeClr val="lt1"/>
-                  </a:fillRef>
-                  <a:effectRef idx="0">
-                    <a:schemeClr val="dk1"/>
-                  </a:effectRef>
-                  <a:fontRef idx="minor">
-                    <a:schemeClr val="dk1"/>
-                  </a:fontRef>
-                </p:style>
-                <p:txBody>
-                  <a:bodyPr rtlCol="0" anchor="ctr"/>
-                  <a:lstStyle/>
-                  <a:p>
-                    <a:pPr algn="ctr"/>
-                    <a:r>
-                      <a:rPr lang="zh-CN" altLang="en-US" sz="1600" dirty="0">
-                        <a:latin typeface="微软雅黑" panose="020B0503020204020204" pitchFamily="34" charset="-122"/>
-                        <a:ea typeface="微软雅黑" panose="020B0503020204020204" pitchFamily="34" charset="-122"/>
-                      </a:rPr>
-                      <a:t>数据平面层</a:t>
-                    </a:r>
-                  </a:p>
-                </p:txBody>
-              </p:sp>
-              <p:sp>
-                <p:nvSpPr>
-                  <p:cNvPr id="20" name="圆角矩形 19"/>
-                  <p:cNvSpPr/>
-                  <p:nvPr/>
-                </p:nvSpPr>
-                <p:spPr>
-                  <a:xfrm>
-                    <a:off x="5336993" y="2931309"/>
-                    <a:ext cx="1874935" cy="641733"/>
-                  </a:xfrm>
-                  <a:prstGeom prst="roundRect">
-                    <a:avLst/>
-                  </a:prstGeom>
-                  <a:ln/>
-                </p:spPr>
-                <p:style>
-                  <a:lnRef idx="2">
-                    <a:schemeClr val="dk1"/>
-                  </a:lnRef>
-                  <a:fillRef idx="1">
-                    <a:schemeClr val="lt1"/>
-                  </a:fillRef>
-                  <a:effectRef idx="0">
-                    <a:schemeClr val="dk1"/>
-                  </a:effectRef>
-                  <a:fontRef idx="minor">
-                    <a:schemeClr val="dk1"/>
-                  </a:fontRef>
-                </p:style>
-                <p:txBody>
-                  <a:bodyPr rtlCol="0" anchor="ctr"/>
-                  <a:lstStyle/>
-                  <a:p>
-                    <a:pPr algn="ctr"/>
-                    <a:r>
-                      <a:rPr lang="zh-CN" altLang="en-US" sz="1600" dirty="0">
-                        <a:latin typeface="微软雅黑" panose="020B0503020204020204" pitchFamily="34" charset="-122"/>
-                        <a:ea typeface="微软雅黑" panose="020B0503020204020204" pitchFamily="34" charset="-122"/>
-                      </a:rPr>
-                      <a:t>控制平面层</a:t>
-                    </a:r>
-                  </a:p>
-                </p:txBody>
-              </p:sp>
-            </p:grpSp>
+                <a:prstGeom prst="cube">
+                  <a:avLst/>
+                </a:prstGeom>
+                <a:ln/>
+              </p:spPr>
+              <p:style>
+                <a:lnRef idx="2">
+                  <a:schemeClr val="dk1"/>
+                </a:lnRef>
+                <a:fillRef idx="1">
+                  <a:schemeClr val="lt1"/>
+                </a:fillRef>
+                <a:effectRef idx="0">
+                  <a:schemeClr val="dk1"/>
+                </a:effectRef>
+                <a:fontRef idx="minor">
+                  <a:schemeClr val="dk1"/>
+                </a:fontRef>
+              </p:style>
+              <p:txBody>
+                <a:bodyPr rtlCol="0" anchor="ctr"/>
+                <a:lstStyle/>
+                <a:p>
+                  <a:pPr algn="ctr"/>
+                  <a:r>
+                    <a:rPr lang="zh-CN" altLang="en-US" sz="1600" dirty="0">
+                      <a:latin typeface="微软雅黑" panose="020B0503020204020204" pitchFamily="34" charset="-122"/>
+                      <a:ea typeface="微软雅黑" panose="020B0503020204020204" pitchFamily="34" charset="-122"/>
+                    </a:rPr>
+                    <a:t>控制平面层</a:t>
+                  </a:r>
+                </a:p>
+              </p:txBody>
+            </p:sp>
           </p:grpSp>
-          <p:sp>
-            <p:nvSpPr>
-              <p:cNvPr id="23" name="下箭头 22"/>
-              <p:cNvSpPr/>
-              <p:nvPr/>
-            </p:nvSpPr>
-            <p:spPr>
-              <a:xfrm rot="10800000">
-                <a:off x="1645642" y="4364750"/>
-                <a:ext cx="319489" cy="767047"/>
-              </a:xfrm>
-              <a:prstGeom prst="downArrow">
-                <a:avLst/>
-              </a:prstGeom>
-            </p:spPr>
-            <p:style>
-              <a:lnRef idx="2">
-                <a:schemeClr val="dk1"/>
-              </a:lnRef>
-              <a:fillRef idx="1">
-                <a:schemeClr val="lt1"/>
-              </a:fillRef>
-              <a:effectRef idx="0">
-                <a:schemeClr val="dk1"/>
-              </a:effectRef>
-              <a:fontRef idx="minor">
-                <a:schemeClr val="dk1"/>
-              </a:fontRef>
-            </p:style>
-            <p:txBody>
-              <a:bodyPr rtlCol="0" anchor="ctr"/>
-              <a:lstStyle/>
-              <a:p>
-                <a:pPr algn="ctr"/>
-                <a:endParaRPr lang="zh-CN" altLang="en-US" dirty="0">
+        </p:grpSp>
+        <p:sp>
+          <p:nvSpPr>
+            <p:cNvPr id="23" name="下箭头 22"/>
+            <p:cNvSpPr/>
+            <p:nvPr/>
+          </p:nvSpPr>
+          <p:spPr>
+            <a:xfrm rot="10800000">
+              <a:off x="1645642" y="4364750"/>
+              <a:ext cx="319489" cy="767047"/>
+            </a:xfrm>
+            <a:prstGeom prst="downArrow">
+              <a:avLst/>
+            </a:prstGeom>
+          </p:spPr>
+          <p:style>
+            <a:lnRef idx="2">
+              <a:schemeClr val="dk1"/>
+            </a:lnRef>
+            <a:fillRef idx="1">
+              <a:schemeClr val="lt1"/>
+            </a:fillRef>
+            <a:effectRef idx="0">
+              <a:schemeClr val="dk1"/>
+            </a:effectRef>
+            <a:fontRef idx="minor">
+              <a:schemeClr val="dk1"/>
+            </a:fontRef>
+          </p:style>
+          <p:txBody>
+            <a:bodyPr rtlCol="0" anchor="ctr"/>
+            <a:lstStyle/>
+            <a:p>
+              <a:pPr algn="ctr"/>
+              <a:endParaRPr lang="zh-CN" altLang="en-US" dirty="0">
+                <a:latin typeface="微软雅黑" panose="020B0503020204020204" pitchFamily="34" charset="-122"/>
+                <a:ea typeface="微软雅黑" panose="020B0503020204020204" pitchFamily="34" charset="-122"/>
+              </a:endParaRPr>
+            </a:p>
+          </p:txBody>
+        </p:sp>
+        <p:sp>
+          <p:nvSpPr>
+            <p:cNvPr id="24" name="下箭头 23"/>
+            <p:cNvSpPr/>
+            <p:nvPr/>
+          </p:nvSpPr>
+          <p:spPr>
+            <a:xfrm rot="10800000">
+              <a:off x="4678034" y="3581688"/>
+              <a:ext cx="319489" cy="1560432"/>
+            </a:xfrm>
+            <a:prstGeom prst="downArrow">
+              <a:avLst/>
+            </a:prstGeom>
+          </p:spPr>
+          <p:style>
+            <a:lnRef idx="2">
+              <a:schemeClr val="dk1"/>
+            </a:lnRef>
+            <a:fillRef idx="1">
+              <a:schemeClr val="lt1"/>
+            </a:fillRef>
+            <a:effectRef idx="0">
+              <a:schemeClr val="dk1"/>
+            </a:effectRef>
+            <a:fontRef idx="minor">
+              <a:schemeClr val="dk1"/>
+            </a:fontRef>
+          </p:style>
+          <p:txBody>
+            <a:bodyPr rtlCol="0" anchor="ctr"/>
+            <a:lstStyle/>
+            <a:p>
+              <a:pPr algn="ctr"/>
+              <a:endParaRPr lang="zh-CN" altLang="en-US">
+                <a:latin typeface="微软雅黑" panose="020B0503020204020204" pitchFamily="34" charset="-122"/>
+                <a:ea typeface="微软雅黑" panose="020B0503020204020204" pitchFamily="34" charset="-122"/>
+              </a:endParaRPr>
+            </a:p>
+          </p:txBody>
+        </p:sp>
+        <p:sp>
+          <p:nvSpPr>
+            <p:cNvPr id="25" name="下箭头 24"/>
+            <p:cNvSpPr/>
+            <p:nvPr/>
+          </p:nvSpPr>
+          <p:spPr>
+            <a:xfrm rot="10800000">
+              <a:off x="3031014" y="4364750"/>
+              <a:ext cx="319489" cy="761273"/>
+            </a:xfrm>
+            <a:prstGeom prst="downArrow">
+              <a:avLst/>
+            </a:prstGeom>
+          </p:spPr>
+          <p:style>
+            <a:lnRef idx="2">
+              <a:schemeClr val="dk1"/>
+            </a:lnRef>
+            <a:fillRef idx="1">
+              <a:schemeClr val="lt1"/>
+            </a:fillRef>
+            <a:effectRef idx="0">
+              <a:schemeClr val="dk1"/>
+            </a:effectRef>
+            <a:fontRef idx="minor">
+              <a:schemeClr val="dk1"/>
+            </a:fontRef>
+          </p:style>
+          <p:txBody>
+            <a:bodyPr rtlCol="0" anchor="ctr"/>
+            <a:lstStyle/>
+            <a:p>
+              <a:pPr algn="ctr"/>
+              <a:endParaRPr lang="zh-CN" altLang="en-US">
+                <a:latin typeface="微软雅黑" panose="020B0503020204020204" pitchFamily="34" charset="-122"/>
+                <a:ea typeface="微软雅黑" panose="020B0503020204020204" pitchFamily="34" charset="-122"/>
+              </a:endParaRPr>
+            </a:p>
+          </p:txBody>
+        </p:sp>
+        <p:sp>
+          <p:nvSpPr>
+            <p:cNvPr id="26" name="下箭头 25"/>
+            <p:cNvSpPr/>
+            <p:nvPr/>
+          </p:nvSpPr>
+          <p:spPr>
+            <a:xfrm rot="10800000">
+              <a:off x="6371877" y="3581688"/>
+              <a:ext cx="319489" cy="1560432"/>
+            </a:xfrm>
+            <a:prstGeom prst="downArrow">
+              <a:avLst/>
+            </a:prstGeom>
+          </p:spPr>
+          <p:style>
+            <a:lnRef idx="2">
+              <a:schemeClr val="dk1"/>
+            </a:lnRef>
+            <a:fillRef idx="1">
+              <a:schemeClr val="lt1"/>
+            </a:fillRef>
+            <a:effectRef idx="0">
+              <a:schemeClr val="dk1"/>
+            </a:effectRef>
+            <a:fontRef idx="minor">
+              <a:schemeClr val="dk1"/>
+            </a:fontRef>
+          </p:style>
+          <p:txBody>
+            <a:bodyPr rtlCol="0" anchor="ctr"/>
+            <a:lstStyle/>
+            <a:p>
+              <a:pPr algn="ctr"/>
+              <a:endParaRPr lang="zh-CN" altLang="en-US">
+                <a:latin typeface="微软雅黑" panose="020B0503020204020204" pitchFamily="34" charset="-122"/>
+                <a:ea typeface="微软雅黑" panose="020B0503020204020204" pitchFamily="34" charset="-122"/>
+              </a:endParaRPr>
+            </a:p>
+          </p:txBody>
+        </p:sp>
+        <p:sp>
+          <p:nvSpPr>
+            <p:cNvPr id="27" name="文本框 26"/>
+            <p:cNvSpPr txBox="1"/>
+            <p:nvPr/>
+          </p:nvSpPr>
+          <p:spPr>
+            <a:xfrm>
+              <a:off x="1215990" y="4623651"/>
+              <a:ext cx="1166402" cy="449878"/>
+            </a:xfrm>
+            <a:prstGeom prst="cube">
+              <a:avLst/>
+            </a:prstGeom>
+          </p:spPr>
+          <p:style>
+            <a:lnRef idx="2">
+              <a:schemeClr val="dk1"/>
+            </a:lnRef>
+            <a:fillRef idx="1">
+              <a:schemeClr val="lt1"/>
+            </a:fillRef>
+            <a:effectRef idx="0">
+              <a:schemeClr val="dk1"/>
+            </a:effectRef>
+            <a:fontRef idx="minor">
+              <a:schemeClr val="dk1"/>
+            </a:fontRef>
+          </p:style>
+          <p:txBody>
+            <a:bodyPr wrap="square" rtlCol="0">
+              <a:spAutoFit/>
+            </a:bodyPr>
+            <a:lstStyle/>
+            <a:p>
+              <a:pPr algn="ctr"/>
+              <a:r>
+                <a:rPr lang="zh-CN" altLang="en-US" sz="1600" dirty="0" smtClean="0">
                   <a:latin typeface="微软雅黑" panose="020B0503020204020204" pitchFamily="34" charset="-122"/>
                   <a:ea typeface="微软雅黑" panose="020B0503020204020204" pitchFamily="34" charset="-122"/>
-                </a:endParaRPr>
-              </a:p>
-            </p:txBody>
-          </p:sp>
-          <p:sp>
-            <p:nvSpPr>
-              <p:cNvPr id="24" name="下箭头 23"/>
-              <p:cNvSpPr/>
-              <p:nvPr/>
-            </p:nvSpPr>
-            <p:spPr>
-              <a:xfrm rot="10800000">
-                <a:off x="4678034" y="3581688"/>
-                <a:ext cx="319489" cy="1560432"/>
-              </a:xfrm>
-              <a:prstGeom prst="downArrow">
-                <a:avLst/>
-              </a:prstGeom>
-            </p:spPr>
-            <p:style>
-              <a:lnRef idx="2">
-                <a:schemeClr val="dk1"/>
-              </a:lnRef>
-              <a:fillRef idx="1">
-                <a:schemeClr val="lt1"/>
-              </a:fillRef>
-              <a:effectRef idx="0">
-                <a:schemeClr val="dk1"/>
-              </a:effectRef>
-              <a:fontRef idx="minor">
-                <a:schemeClr val="dk1"/>
-              </a:fontRef>
-            </p:style>
-            <p:txBody>
-              <a:bodyPr rtlCol="0" anchor="ctr"/>
-              <a:lstStyle/>
-              <a:p>
-                <a:pPr algn="ctr"/>
-                <a:endParaRPr lang="zh-CN" altLang="en-US">
+                </a:rPr>
+                <a:t>时间戳</a:t>
+              </a:r>
+              <a:endParaRPr lang="zh-CN" altLang="en-US" sz="1600" dirty="0">
+                <a:latin typeface="微软雅黑" panose="020B0503020204020204" pitchFamily="34" charset="-122"/>
+                <a:ea typeface="微软雅黑" panose="020B0503020204020204" pitchFamily="34" charset="-122"/>
+              </a:endParaRPr>
+            </a:p>
+          </p:txBody>
+        </p:sp>
+        <p:sp>
+          <p:nvSpPr>
+            <p:cNvPr id="28" name="文本框 27"/>
+            <p:cNvSpPr txBox="1"/>
+            <p:nvPr/>
+          </p:nvSpPr>
+          <p:spPr>
+            <a:xfrm>
+              <a:off x="2606866" y="4637711"/>
+              <a:ext cx="1167789" cy="449878"/>
+            </a:xfrm>
+            <a:prstGeom prst="cube">
+              <a:avLst/>
+            </a:prstGeom>
+          </p:spPr>
+          <p:style>
+            <a:lnRef idx="2">
+              <a:schemeClr val="dk1"/>
+            </a:lnRef>
+            <a:fillRef idx="1">
+              <a:schemeClr val="lt1"/>
+            </a:fillRef>
+            <a:effectRef idx="0">
+              <a:schemeClr val="dk1"/>
+            </a:effectRef>
+            <a:fontRef idx="minor">
+              <a:schemeClr val="dk1"/>
+            </a:fontRef>
+          </p:style>
+          <p:txBody>
+            <a:bodyPr wrap="square" rtlCol="0">
+              <a:spAutoFit/>
+            </a:bodyPr>
+            <a:lstStyle>
+              <a:defPPr>
+                <a:defRPr lang="zh-CN"/>
+              </a:defPPr>
+              <a:lvl1pPr>
+                <a:defRPr>
+                  <a:solidFill>
+                    <a:schemeClr val="dk1"/>
+                  </a:solidFill>
+                </a:defRPr>
+              </a:lvl1pPr>
+              <a:lvl2pPr>
+                <a:defRPr>
+                  <a:solidFill>
+                    <a:schemeClr val="dk1"/>
+                  </a:solidFill>
+                </a:defRPr>
+              </a:lvl2pPr>
+              <a:lvl3pPr>
+                <a:defRPr>
+                  <a:solidFill>
+                    <a:schemeClr val="dk1"/>
+                  </a:solidFill>
+                </a:defRPr>
+              </a:lvl3pPr>
+              <a:lvl4pPr>
+                <a:defRPr>
+                  <a:solidFill>
+                    <a:schemeClr val="dk1"/>
+                  </a:solidFill>
+                </a:defRPr>
+              </a:lvl4pPr>
+              <a:lvl5pPr>
+                <a:defRPr>
+                  <a:solidFill>
+                    <a:schemeClr val="dk1"/>
+                  </a:solidFill>
+                </a:defRPr>
+              </a:lvl5pPr>
+              <a:lvl6pPr>
+                <a:defRPr>
+                  <a:solidFill>
+                    <a:schemeClr val="dk1"/>
+                  </a:solidFill>
+                </a:defRPr>
+              </a:lvl6pPr>
+              <a:lvl7pPr>
+                <a:defRPr>
+                  <a:solidFill>
+                    <a:schemeClr val="dk1"/>
+                  </a:solidFill>
+                </a:defRPr>
+              </a:lvl7pPr>
+              <a:lvl8pPr>
+                <a:defRPr>
+                  <a:solidFill>
+                    <a:schemeClr val="dk1"/>
+                  </a:solidFill>
+                </a:defRPr>
+              </a:lvl8pPr>
+              <a:lvl9pPr>
+                <a:defRPr>
+                  <a:solidFill>
+                    <a:schemeClr val="dk1"/>
+                  </a:solidFill>
+                </a:defRPr>
+              </a:lvl9pPr>
+            </a:lstStyle>
+            <a:p>
+              <a:pPr algn="ctr"/>
+              <a:r>
+                <a:rPr lang="zh-CN" altLang="en-US" sz="1600" dirty="0">
                   <a:latin typeface="微软雅黑" panose="020B0503020204020204" pitchFamily="34" charset="-122"/>
                   <a:ea typeface="微软雅黑" panose="020B0503020204020204" pitchFamily="34" charset="-122"/>
-                </a:endParaRPr>
-              </a:p>
-            </p:txBody>
-          </p:sp>
-          <p:sp>
-            <p:nvSpPr>
-              <p:cNvPr id="25" name="下箭头 24"/>
-              <p:cNvSpPr/>
-              <p:nvPr/>
-            </p:nvSpPr>
-            <p:spPr>
-              <a:xfrm rot="10800000">
-                <a:off x="3031014" y="4364750"/>
-                <a:ext cx="319489" cy="761273"/>
-              </a:xfrm>
-              <a:prstGeom prst="downArrow">
-                <a:avLst/>
-              </a:prstGeom>
-            </p:spPr>
-            <p:style>
-              <a:lnRef idx="2">
-                <a:schemeClr val="dk1"/>
-              </a:lnRef>
-              <a:fillRef idx="1">
-                <a:schemeClr val="lt1"/>
-              </a:fillRef>
-              <a:effectRef idx="0">
-                <a:schemeClr val="dk1"/>
-              </a:effectRef>
-              <a:fontRef idx="minor">
-                <a:schemeClr val="dk1"/>
-              </a:fontRef>
-            </p:style>
-            <p:txBody>
-              <a:bodyPr rtlCol="0" anchor="ctr"/>
-              <a:lstStyle/>
-              <a:p>
-                <a:pPr algn="ctr"/>
-                <a:endParaRPr lang="zh-CN" altLang="en-US">
+                </a:rPr>
+                <a:t>空间戳</a:t>
+              </a:r>
+            </a:p>
+          </p:txBody>
+        </p:sp>
+        <p:sp>
+          <p:nvSpPr>
+            <p:cNvPr id="29" name="立方体 28"/>
+            <p:cNvSpPr/>
+            <p:nvPr/>
+          </p:nvSpPr>
+          <p:spPr>
+            <a:xfrm>
+              <a:off x="1215989" y="4021157"/>
+              <a:ext cx="2558666" cy="343593"/>
+            </a:xfrm>
+            <a:prstGeom prst="cube">
+              <a:avLst/>
+            </a:prstGeom>
+          </p:spPr>
+          <p:style>
+            <a:lnRef idx="2">
+              <a:schemeClr val="dk1"/>
+            </a:lnRef>
+            <a:fillRef idx="1">
+              <a:schemeClr val="lt1"/>
+            </a:fillRef>
+            <a:effectRef idx="0">
+              <a:schemeClr val="dk1"/>
+            </a:effectRef>
+            <a:fontRef idx="minor">
+              <a:schemeClr val="dk1"/>
+            </a:fontRef>
+          </p:style>
+          <p:txBody>
+            <a:bodyPr rtlCol="0" anchor="ctr"/>
+            <a:lstStyle/>
+            <a:p>
+              <a:pPr algn="ctr"/>
+              <a:r>
+                <a:rPr lang="zh-CN" altLang="en-US" sz="1600" dirty="0">
                   <a:latin typeface="微软雅黑" panose="020B0503020204020204" pitchFamily="34" charset="-122"/>
                   <a:ea typeface="微软雅黑" panose="020B0503020204020204" pitchFamily="34" charset="-122"/>
-                </a:endParaRPr>
-              </a:p>
-            </p:txBody>
-          </p:sp>
-          <p:sp>
-            <p:nvSpPr>
-              <p:cNvPr id="26" name="下箭头 25"/>
-              <p:cNvSpPr/>
-              <p:nvPr/>
-            </p:nvSpPr>
-            <p:spPr>
-              <a:xfrm rot="10800000">
-                <a:off x="6371877" y="3581688"/>
-                <a:ext cx="319489" cy="1560432"/>
-              </a:xfrm>
-              <a:prstGeom prst="downArrow">
-                <a:avLst/>
-              </a:prstGeom>
-            </p:spPr>
-            <p:style>
-              <a:lnRef idx="2">
-                <a:schemeClr val="dk1"/>
-              </a:lnRef>
-              <a:fillRef idx="1">
-                <a:schemeClr val="lt1"/>
-              </a:fillRef>
-              <a:effectRef idx="0">
-                <a:schemeClr val="dk1"/>
-              </a:effectRef>
-              <a:fontRef idx="minor">
-                <a:schemeClr val="dk1"/>
-              </a:fontRef>
-            </p:style>
-            <p:txBody>
-              <a:bodyPr rtlCol="0" anchor="ctr"/>
-              <a:lstStyle/>
-              <a:p>
-                <a:pPr algn="ctr"/>
-                <a:endParaRPr lang="zh-CN" altLang="en-US">
-                  <a:latin typeface="微软雅黑" panose="020B0503020204020204" pitchFamily="34" charset="-122"/>
-                  <a:ea typeface="微软雅黑" panose="020B0503020204020204" pitchFamily="34" charset="-122"/>
-                </a:endParaRPr>
-              </a:p>
-            </p:txBody>
-          </p:sp>
-          <p:sp>
-            <p:nvSpPr>
-              <p:cNvPr id="27" name="文本框 26"/>
-              <p:cNvSpPr txBox="1"/>
-              <p:nvPr/>
-            </p:nvSpPr>
-            <p:spPr>
-              <a:xfrm>
-                <a:off x="1364017" y="4623651"/>
-                <a:ext cx="919222" cy="338554"/>
-              </a:xfrm>
-              <a:prstGeom prst="rect">
-                <a:avLst/>
-              </a:prstGeom>
-            </p:spPr>
-            <p:style>
-              <a:lnRef idx="2">
-                <a:schemeClr val="dk1"/>
-              </a:lnRef>
-              <a:fillRef idx="1">
-                <a:schemeClr val="lt1"/>
-              </a:fillRef>
-              <a:effectRef idx="0">
-                <a:schemeClr val="dk1"/>
-              </a:effectRef>
-              <a:fontRef idx="minor">
-                <a:schemeClr val="dk1"/>
-              </a:fontRef>
-            </p:style>
-            <p:txBody>
-              <a:bodyPr wrap="square" rtlCol="0">
-                <a:spAutoFit/>
-              </a:bodyPr>
-              <a:lstStyle/>
-              <a:p>
-                <a:pPr algn="ctr"/>
-                <a:r>
-                  <a:rPr lang="zh-CN" altLang="en-US" sz="1600" dirty="0" smtClean="0">
-                    <a:latin typeface="微软雅黑" panose="020B0503020204020204" pitchFamily="34" charset="-122"/>
-                    <a:ea typeface="微软雅黑" panose="020B0503020204020204" pitchFamily="34" charset="-122"/>
-                  </a:rPr>
-                  <a:t>时间戳</a:t>
-                </a:r>
-                <a:endParaRPr lang="zh-CN" altLang="en-US" sz="1600" dirty="0">
-                  <a:latin typeface="微软雅黑" panose="020B0503020204020204" pitchFamily="34" charset="-122"/>
-                  <a:ea typeface="微软雅黑" panose="020B0503020204020204" pitchFamily="34" charset="-122"/>
-                </a:endParaRPr>
-              </a:p>
-            </p:txBody>
-          </p:sp>
-          <p:sp>
-            <p:nvSpPr>
-              <p:cNvPr id="28" name="文本框 27"/>
-              <p:cNvSpPr txBox="1"/>
-              <p:nvPr/>
-            </p:nvSpPr>
-            <p:spPr>
-              <a:xfrm>
-                <a:off x="2750763" y="4637711"/>
-                <a:ext cx="869566" cy="338554"/>
-              </a:xfrm>
-              <a:prstGeom prst="rect">
-                <a:avLst/>
-              </a:prstGeom>
-            </p:spPr>
-            <p:style>
-              <a:lnRef idx="2">
-                <a:schemeClr val="dk1"/>
-              </a:lnRef>
-              <a:fillRef idx="1">
-                <a:schemeClr val="lt1"/>
-              </a:fillRef>
-              <a:effectRef idx="0">
-                <a:schemeClr val="dk1"/>
-              </a:effectRef>
-              <a:fontRef idx="minor">
-                <a:schemeClr val="dk1"/>
-              </a:fontRef>
-            </p:style>
-            <p:txBody>
-              <a:bodyPr wrap="square" rtlCol="0">
-                <a:spAutoFit/>
-              </a:bodyPr>
-              <a:lstStyle>
-                <a:defPPr>
-                  <a:defRPr lang="zh-CN"/>
-                </a:defPPr>
-                <a:lvl1pPr>
-                  <a:defRPr>
-                    <a:solidFill>
-                      <a:schemeClr val="dk1"/>
-                    </a:solidFill>
-                  </a:defRPr>
-                </a:lvl1pPr>
-                <a:lvl2pPr>
-                  <a:defRPr>
-                    <a:solidFill>
-                      <a:schemeClr val="dk1"/>
-                    </a:solidFill>
-                  </a:defRPr>
-                </a:lvl2pPr>
-                <a:lvl3pPr>
-                  <a:defRPr>
-                    <a:solidFill>
-                      <a:schemeClr val="dk1"/>
-                    </a:solidFill>
-                  </a:defRPr>
-                </a:lvl3pPr>
-                <a:lvl4pPr>
-                  <a:defRPr>
-                    <a:solidFill>
-                      <a:schemeClr val="dk1"/>
-                    </a:solidFill>
-                  </a:defRPr>
-                </a:lvl4pPr>
-                <a:lvl5pPr>
-                  <a:defRPr>
-                    <a:solidFill>
-                      <a:schemeClr val="dk1"/>
-                    </a:solidFill>
-                  </a:defRPr>
-                </a:lvl5pPr>
-                <a:lvl6pPr>
-                  <a:defRPr>
-                    <a:solidFill>
-                      <a:schemeClr val="dk1"/>
-                    </a:solidFill>
-                  </a:defRPr>
-                </a:lvl6pPr>
-                <a:lvl7pPr>
-                  <a:defRPr>
-                    <a:solidFill>
-                      <a:schemeClr val="dk1"/>
-                    </a:solidFill>
-                  </a:defRPr>
-                </a:lvl7pPr>
-                <a:lvl8pPr>
-                  <a:defRPr>
-                    <a:solidFill>
-                      <a:schemeClr val="dk1"/>
-                    </a:solidFill>
-                  </a:defRPr>
-                </a:lvl8pPr>
-                <a:lvl9pPr>
-                  <a:defRPr>
-                    <a:solidFill>
-                      <a:schemeClr val="dk1"/>
-                    </a:solidFill>
-                  </a:defRPr>
-                </a:lvl9pPr>
-              </a:lstStyle>
-              <a:p>
-                <a:pPr algn="ctr"/>
-                <a:r>
-                  <a:rPr lang="zh-CN" altLang="en-US" sz="1600" dirty="0">
-                    <a:latin typeface="微软雅黑" panose="020B0503020204020204" pitchFamily="34" charset="-122"/>
-                    <a:ea typeface="微软雅黑" panose="020B0503020204020204" pitchFamily="34" charset="-122"/>
-                  </a:rPr>
-                  <a:t>空间戳</a:t>
-                </a:r>
-              </a:p>
-            </p:txBody>
-          </p:sp>
-          <p:sp>
-            <p:nvSpPr>
-              <p:cNvPr id="29" name="矩形 28"/>
-              <p:cNvSpPr/>
-              <p:nvPr/>
-            </p:nvSpPr>
-            <p:spPr>
-              <a:xfrm>
-                <a:off x="1443210" y="4021157"/>
-                <a:ext cx="2038120" cy="343593"/>
-              </a:xfrm>
-              <a:prstGeom prst="rect">
-                <a:avLst/>
-              </a:prstGeom>
-            </p:spPr>
-            <p:style>
-              <a:lnRef idx="2">
-                <a:schemeClr val="dk1"/>
-              </a:lnRef>
-              <a:fillRef idx="1">
-                <a:schemeClr val="lt1"/>
-              </a:fillRef>
-              <a:effectRef idx="0">
-                <a:schemeClr val="dk1"/>
-              </a:effectRef>
-              <a:fontRef idx="minor">
-                <a:schemeClr val="dk1"/>
-              </a:fontRef>
-            </p:style>
-            <p:txBody>
-              <a:bodyPr rtlCol="0" anchor="ctr"/>
-              <a:lstStyle/>
-              <a:p>
-                <a:pPr algn="ctr"/>
-                <a:r>
-                  <a:rPr lang="zh-CN" altLang="en-US" sz="1600" dirty="0">
-                    <a:latin typeface="微软雅黑" panose="020B0503020204020204" pitchFamily="34" charset="-122"/>
-                    <a:ea typeface="微软雅黑" panose="020B0503020204020204" pitchFamily="34" charset="-122"/>
-                  </a:rPr>
-                  <a:t>时空戳</a:t>
-                </a:r>
-              </a:p>
-            </p:txBody>
-          </p:sp>
-          <p:sp>
-            <p:nvSpPr>
-              <p:cNvPr id="31" name="下箭头 30"/>
-              <p:cNvSpPr/>
-              <p:nvPr/>
-            </p:nvSpPr>
-            <p:spPr>
-              <a:xfrm rot="10800000">
-                <a:off x="2287377" y="3581687"/>
-                <a:ext cx="319489" cy="439469"/>
-              </a:xfrm>
-              <a:prstGeom prst="downArrow">
-                <a:avLst/>
-              </a:prstGeom>
-            </p:spPr>
-            <p:style>
-              <a:lnRef idx="2">
-                <a:schemeClr val="dk1"/>
-              </a:lnRef>
-              <a:fillRef idx="1">
-                <a:schemeClr val="lt1"/>
-              </a:fillRef>
-              <a:effectRef idx="0">
-                <a:schemeClr val="dk1"/>
-              </a:effectRef>
-              <a:fontRef idx="minor">
-                <a:schemeClr val="dk1"/>
-              </a:fontRef>
-            </p:style>
-            <p:txBody>
-              <a:bodyPr rtlCol="0" anchor="ctr"/>
-              <a:lstStyle/>
-              <a:p>
-                <a:pPr algn="ctr"/>
-                <a:endParaRPr lang="zh-CN" altLang="en-US">
-                  <a:latin typeface="微软雅黑" panose="020B0503020204020204" pitchFamily="34" charset="-122"/>
-                  <a:ea typeface="微软雅黑" panose="020B0503020204020204" pitchFamily="34" charset="-122"/>
-                </a:endParaRPr>
-              </a:p>
-            </p:txBody>
-          </p:sp>
-          <p:sp>
-            <p:nvSpPr>
-              <p:cNvPr id="32" name="矩形 31"/>
-              <p:cNvSpPr/>
-              <p:nvPr/>
-            </p:nvSpPr>
-            <p:spPr>
-              <a:xfrm>
-                <a:off x="5166911" y="4573665"/>
-                <a:ext cx="1204967" cy="453357"/>
-              </a:xfrm>
-              <a:prstGeom prst="rect">
-                <a:avLst/>
-              </a:prstGeom>
-            </p:spPr>
-            <p:style>
-              <a:lnRef idx="2">
-                <a:schemeClr val="dk1"/>
-              </a:lnRef>
-              <a:fillRef idx="1">
-                <a:schemeClr val="lt1"/>
-              </a:fillRef>
-              <a:effectRef idx="0">
-                <a:schemeClr val="dk1"/>
-              </a:effectRef>
-              <a:fontRef idx="minor">
-                <a:schemeClr val="dk1"/>
-              </a:fontRef>
-            </p:style>
-            <p:txBody>
-              <a:bodyPr rtlCol="0" anchor="ctr"/>
-              <a:lstStyle/>
-              <a:p>
-                <a:pPr algn="ctr"/>
-                <a:r>
-                  <a:rPr lang="en-US" altLang="zh-CN" dirty="0" err="1">
-                    <a:latin typeface="Times New Roman" panose="02020603050405020304" pitchFamily="18" charset="0"/>
-                    <a:ea typeface="微软雅黑" panose="020B0503020204020204" pitchFamily="34" charset="-122"/>
-                    <a:cs typeface="Times New Roman" panose="02020603050405020304" pitchFamily="18" charset="0"/>
-                  </a:rPr>
-                  <a:t>OpenFlow</a:t>
-                </a:r>
-                <a:endParaRPr lang="zh-CN" altLang="en-US" dirty="0">
+                </a:rPr>
+                <a:t>时空戳</a:t>
+              </a:r>
+            </a:p>
+          </p:txBody>
+        </p:sp>
+        <p:sp>
+          <p:nvSpPr>
+            <p:cNvPr id="31" name="下箭头 30"/>
+            <p:cNvSpPr/>
+            <p:nvPr/>
+          </p:nvSpPr>
+          <p:spPr>
+            <a:xfrm rot="10800000">
+              <a:off x="2287377" y="3581687"/>
+              <a:ext cx="319489" cy="439469"/>
+            </a:xfrm>
+            <a:prstGeom prst="downArrow">
+              <a:avLst/>
+            </a:prstGeom>
+          </p:spPr>
+          <p:style>
+            <a:lnRef idx="2">
+              <a:schemeClr val="dk1"/>
+            </a:lnRef>
+            <a:fillRef idx="1">
+              <a:schemeClr val="lt1"/>
+            </a:fillRef>
+            <a:effectRef idx="0">
+              <a:schemeClr val="dk1"/>
+            </a:effectRef>
+            <a:fontRef idx="minor">
+              <a:schemeClr val="dk1"/>
+            </a:fontRef>
+          </p:style>
+          <p:txBody>
+            <a:bodyPr rtlCol="0" anchor="ctr"/>
+            <a:lstStyle/>
+            <a:p>
+              <a:pPr algn="ctr"/>
+              <a:endParaRPr lang="zh-CN" altLang="en-US">
+                <a:latin typeface="微软雅黑" panose="020B0503020204020204" pitchFamily="34" charset="-122"/>
+                <a:ea typeface="微软雅黑" panose="020B0503020204020204" pitchFamily="34" charset="-122"/>
+              </a:endParaRPr>
+            </a:p>
+          </p:txBody>
+        </p:sp>
+        <p:sp>
+          <p:nvSpPr>
+            <p:cNvPr id="32" name="立方体 31"/>
+            <p:cNvSpPr/>
+            <p:nvPr/>
+          </p:nvSpPr>
+          <p:spPr>
+            <a:xfrm>
+              <a:off x="5102185" y="4573665"/>
+              <a:ext cx="1269693" cy="453357"/>
+            </a:xfrm>
+            <a:prstGeom prst="cube">
+              <a:avLst/>
+            </a:prstGeom>
+          </p:spPr>
+          <p:style>
+            <a:lnRef idx="2">
+              <a:schemeClr val="dk1"/>
+            </a:lnRef>
+            <a:fillRef idx="1">
+              <a:schemeClr val="lt1"/>
+            </a:fillRef>
+            <a:effectRef idx="0">
+              <a:schemeClr val="dk1"/>
+            </a:effectRef>
+            <a:fontRef idx="minor">
+              <a:schemeClr val="dk1"/>
+            </a:fontRef>
+          </p:style>
+          <p:txBody>
+            <a:bodyPr rtlCol="0" anchor="ctr"/>
+            <a:lstStyle/>
+            <a:p>
+              <a:pPr algn="ctr"/>
+              <a:r>
+                <a:rPr lang="en-US" altLang="zh-CN" dirty="0" err="1">
                   <a:latin typeface="Times New Roman" panose="02020603050405020304" pitchFamily="18" charset="0"/>
                   <a:ea typeface="微软雅黑" panose="020B0503020204020204" pitchFamily="34" charset="-122"/>
                   <a:cs typeface="Times New Roman" panose="02020603050405020304" pitchFamily="18" charset="0"/>
-                </a:endParaRPr>
-              </a:p>
-            </p:txBody>
-          </p:sp>
-          <p:sp>
-            <p:nvSpPr>
-              <p:cNvPr id="33" name="矩形 32"/>
-              <p:cNvSpPr/>
-              <p:nvPr/>
-            </p:nvSpPr>
-            <p:spPr>
-              <a:xfrm>
-                <a:off x="5166912" y="4021157"/>
-                <a:ext cx="1204966" cy="453357"/>
-              </a:xfrm>
-              <a:prstGeom prst="rect">
-                <a:avLst/>
-              </a:prstGeom>
-            </p:spPr>
-            <p:style>
-              <a:lnRef idx="2">
-                <a:schemeClr val="dk1"/>
-              </a:lnRef>
-              <a:fillRef idx="1">
-                <a:schemeClr val="lt1"/>
-              </a:fillRef>
-              <a:effectRef idx="0">
-                <a:schemeClr val="dk1"/>
-              </a:effectRef>
-              <a:fontRef idx="minor">
-                <a:schemeClr val="dk1"/>
-              </a:fontRef>
-            </p:style>
-            <p:txBody>
-              <a:bodyPr rtlCol="0" anchor="ctr"/>
-              <a:lstStyle/>
-              <a:p>
-                <a:pPr algn="ctr"/>
-                <a:r>
-                  <a:rPr lang="en-US" altLang="zh-CN" dirty="0" err="1">
-                    <a:latin typeface="Times New Roman" panose="02020603050405020304" pitchFamily="18" charset="0"/>
-                    <a:ea typeface="微软雅黑" panose="020B0503020204020204" pitchFamily="34" charset="-122"/>
-                    <a:cs typeface="Times New Roman" panose="02020603050405020304" pitchFamily="18" charset="0"/>
-                  </a:rPr>
-                  <a:t>Mininet</a:t>
-                </a:r>
-                <a:endParaRPr lang="zh-CN" altLang="en-US" dirty="0">
+                </a:rPr>
+                <a:t>OpenFlow</a:t>
+              </a:r>
+              <a:endParaRPr lang="zh-CN" altLang="en-US" dirty="0">
+                <a:latin typeface="Times New Roman" panose="02020603050405020304" pitchFamily="18" charset="0"/>
+                <a:ea typeface="微软雅黑" panose="020B0503020204020204" pitchFamily="34" charset="-122"/>
+                <a:cs typeface="Times New Roman" panose="02020603050405020304" pitchFamily="18" charset="0"/>
+              </a:endParaRPr>
+            </a:p>
+          </p:txBody>
+        </p:sp>
+        <p:sp>
+          <p:nvSpPr>
+            <p:cNvPr id="33" name="立方体 32"/>
+            <p:cNvSpPr/>
+            <p:nvPr/>
+          </p:nvSpPr>
+          <p:spPr>
+            <a:xfrm>
+              <a:off x="5149008" y="4021157"/>
+              <a:ext cx="1222870" cy="453357"/>
+            </a:xfrm>
+            <a:prstGeom prst="cube">
+              <a:avLst/>
+            </a:prstGeom>
+          </p:spPr>
+          <p:style>
+            <a:lnRef idx="2">
+              <a:schemeClr val="dk1"/>
+            </a:lnRef>
+            <a:fillRef idx="1">
+              <a:schemeClr val="lt1"/>
+            </a:fillRef>
+            <a:effectRef idx="0">
+              <a:schemeClr val="dk1"/>
+            </a:effectRef>
+            <a:fontRef idx="minor">
+              <a:schemeClr val="dk1"/>
+            </a:fontRef>
+          </p:style>
+          <p:txBody>
+            <a:bodyPr rtlCol="0" anchor="ctr"/>
+            <a:lstStyle/>
+            <a:p>
+              <a:pPr algn="ctr"/>
+              <a:r>
+                <a:rPr lang="en-US" altLang="zh-CN" dirty="0" err="1">
                   <a:latin typeface="Times New Roman" panose="02020603050405020304" pitchFamily="18" charset="0"/>
                   <a:ea typeface="微软雅黑" panose="020B0503020204020204" pitchFamily="34" charset="-122"/>
                   <a:cs typeface="Times New Roman" panose="02020603050405020304" pitchFamily="18" charset="0"/>
-                </a:endParaRPr>
-              </a:p>
-            </p:txBody>
-          </p:sp>
-          <p:sp>
-            <p:nvSpPr>
-              <p:cNvPr id="34" name="矩形 33"/>
-              <p:cNvSpPr/>
-              <p:nvPr/>
-            </p:nvSpPr>
-            <p:spPr>
-              <a:xfrm>
-                <a:off x="6691369" y="4021157"/>
-                <a:ext cx="645866" cy="473725"/>
-              </a:xfrm>
-              <a:prstGeom prst="rect">
-                <a:avLst/>
-              </a:prstGeom>
-            </p:spPr>
-            <p:style>
-              <a:lnRef idx="2">
-                <a:schemeClr val="dk1"/>
-              </a:lnRef>
-              <a:fillRef idx="1">
-                <a:schemeClr val="lt1"/>
-              </a:fillRef>
-              <a:effectRef idx="0">
-                <a:schemeClr val="dk1"/>
-              </a:effectRef>
-              <a:fontRef idx="minor">
-                <a:schemeClr val="dk1"/>
-              </a:fontRef>
-            </p:style>
-            <p:txBody>
-              <a:bodyPr rtlCol="0" anchor="ctr"/>
-              <a:lstStyle/>
-              <a:p>
-                <a:pPr algn="ctr"/>
-                <a:r>
-                  <a:rPr lang="en-US" altLang="zh-CN" sz="1600" dirty="0">
-                    <a:latin typeface="Times New Roman" panose="02020603050405020304" pitchFamily="18" charset="0"/>
-                    <a:ea typeface="微软雅黑" panose="020B0503020204020204" pitchFamily="34" charset="-122"/>
-                    <a:cs typeface="Times New Roman" panose="02020603050405020304" pitchFamily="18" charset="0"/>
-                  </a:rPr>
-                  <a:t>RYU</a:t>
-                </a:r>
-                <a:endParaRPr lang="zh-CN" altLang="en-US" sz="1600" dirty="0">
+                </a:rPr>
+                <a:t>Mininet</a:t>
+              </a:r>
+              <a:endParaRPr lang="zh-CN" altLang="en-US" dirty="0">
+                <a:latin typeface="Times New Roman" panose="02020603050405020304" pitchFamily="18" charset="0"/>
+                <a:ea typeface="微软雅黑" panose="020B0503020204020204" pitchFamily="34" charset="-122"/>
+                <a:cs typeface="Times New Roman" panose="02020603050405020304" pitchFamily="18" charset="0"/>
+              </a:endParaRPr>
+            </a:p>
+          </p:txBody>
+        </p:sp>
+        <p:sp>
+          <p:nvSpPr>
+            <p:cNvPr id="34" name="立方体 33"/>
+            <p:cNvSpPr/>
+            <p:nvPr/>
+          </p:nvSpPr>
+          <p:spPr>
+            <a:xfrm>
+              <a:off x="6627224" y="4027474"/>
+              <a:ext cx="737273" cy="473725"/>
+            </a:xfrm>
+            <a:prstGeom prst="cube">
+              <a:avLst/>
+            </a:prstGeom>
+          </p:spPr>
+          <p:style>
+            <a:lnRef idx="2">
+              <a:schemeClr val="dk1"/>
+            </a:lnRef>
+            <a:fillRef idx="1">
+              <a:schemeClr val="lt1"/>
+            </a:fillRef>
+            <a:effectRef idx="0">
+              <a:schemeClr val="dk1"/>
+            </a:effectRef>
+            <a:fontRef idx="minor">
+              <a:schemeClr val="dk1"/>
+            </a:fontRef>
+          </p:style>
+          <p:txBody>
+            <a:bodyPr rtlCol="0" anchor="ctr"/>
+            <a:lstStyle/>
+            <a:p>
+              <a:pPr algn="ctr"/>
+              <a:r>
+                <a:rPr lang="en-US" altLang="zh-CN" sz="1600" dirty="0">
                   <a:latin typeface="Times New Roman" panose="02020603050405020304" pitchFamily="18" charset="0"/>
                   <a:ea typeface="微软雅黑" panose="020B0503020204020204" pitchFamily="34" charset="-122"/>
                   <a:cs typeface="Times New Roman" panose="02020603050405020304" pitchFamily="18" charset="0"/>
-                </a:endParaRPr>
-              </a:p>
-            </p:txBody>
-          </p:sp>
-          <p:sp>
-            <p:nvSpPr>
-              <p:cNvPr id="35" name="矩形 34"/>
-              <p:cNvSpPr/>
-              <p:nvPr/>
-            </p:nvSpPr>
-            <p:spPr>
-              <a:xfrm>
-                <a:off x="6676222" y="4581639"/>
-                <a:ext cx="693365" cy="453357"/>
-              </a:xfrm>
-              <a:prstGeom prst="rect">
-                <a:avLst/>
-              </a:prstGeom>
-            </p:spPr>
-            <p:style>
-              <a:lnRef idx="2">
-                <a:schemeClr val="dk1"/>
-              </a:lnRef>
-              <a:fillRef idx="1">
-                <a:schemeClr val="lt1"/>
-              </a:fillRef>
-              <a:effectRef idx="0">
-                <a:schemeClr val="dk1"/>
-              </a:effectRef>
-              <a:fontRef idx="minor">
-                <a:schemeClr val="dk1"/>
-              </a:fontRef>
-            </p:style>
-            <p:txBody>
-              <a:bodyPr rtlCol="0" anchor="ctr"/>
-              <a:lstStyle/>
-              <a:p>
-                <a:pPr algn="ctr"/>
-                <a:r>
-                  <a:rPr lang="en-US" altLang="zh-CN" sz="1600" dirty="0">
-                    <a:latin typeface="Times New Roman" panose="02020603050405020304" pitchFamily="18" charset="0"/>
-                    <a:ea typeface="微软雅黑" panose="020B0503020204020204" pitchFamily="34" charset="-122"/>
-                    <a:cs typeface="Times New Roman" panose="02020603050405020304" pitchFamily="18" charset="0"/>
-                  </a:rPr>
-                  <a:t>OVS</a:t>
-                </a:r>
-                <a:endParaRPr lang="zh-CN" altLang="en-US" sz="1600" dirty="0">
+                </a:rPr>
+                <a:t>RYU</a:t>
+              </a:r>
+              <a:endParaRPr lang="zh-CN" altLang="en-US" sz="1600" dirty="0">
+                <a:latin typeface="Times New Roman" panose="02020603050405020304" pitchFamily="18" charset="0"/>
+                <a:ea typeface="微软雅黑" panose="020B0503020204020204" pitchFamily="34" charset="-122"/>
+                <a:cs typeface="Times New Roman" panose="02020603050405020304" pitchFamily="18" charset="0"/>
+              </a:endParaRPr>
+            </a:p>
+          </p:txBody>
+        </p:sp>
+        <p:sp>
+          <p:nvSpPr>
+            <p:cNvPr id="35" name="立方体 34"/>
+            <p:cNvSpPr/>
+            <p:nvPr/>
+          </p:nvSpPr>
+          <p:spPr>
+            <a:xfrm>
+              <a:off x="6627224" y="4581639"/>
+              <a:ext cx="742364" cy="453357"/>
+            </a:xfrm>
+            <a:prstGeom prst="cube">
+              <a:avLst/>
+            </a:prstGeom>
+          </p:spPr>
+          <p:style>
+            <a:lnRef idx="2">
+              <a:schemeClr val="dk1"/>
+            </a:lnRef>
+            <a:fillRef idx="1">
+              <a:schemeClr val="lt1"/>
+            </a:fillRef>
+            <a:effectRef idx="0">
+              <a:schemeClr val="dk1"/>
+            </a:effectRef>
+            <a:fontRef idx="minor">
+              <a:schemeClr val="dk1"/>
+            </a:fontRef>
+          </p:style>
+          <p:txBody>
+            <a:bodyPr rtlCol="0" anchor="ctr"/>
+            <a:lstStyle/>
+            <a:p>
+              <a:pPr algn="ctr"/>
+              <a:r>
+                <a:rPr lang="en-US" altLang="zh-CN" sz="1600" dirty="0">
                   <a:latin typeface="Times New Roman" panose="02020603050405020304" pitchFamily="18" charset="0"/>
                   <a:ea typeface="微软雅黑" panose="020B0503020204020204" pitchFamily="34" charset="-122"/>
                   <a:cs typeface="Times New Roman" panose="02020603050405020304" pitchFamily="18" charset="0"/>
-                </a:endParaRPr>
-              </a:p>
-            </p:txBody>
-          </p:sp>
-          <p:sp>
-            <p:nvSpPr>
-              <p:cNvPr id="36" name="圆角矩形 35"/>
-              <p:cNvSpPr/>
-              <p:nvPr/>
-            </p:nvSpPr>
-            <p:spPr>
-              <a:xfrm>
-                <a:off x="1215989" y="-9640"/>
-                <a:ext cx="6176329" cy="682843"/>
-              </a:xfrm>
-              <a:prstGeom prst="roundRect">
-                <a:avLst/>
-              </a:prstGeom>
-            </p:spPr>
-            <p:style>
-              <a:lnRef idx="2">
-                <a:schemeClr val="dk1"/>
-              </a:lnRef>
-              <a:fillRef idx="1">
-                <a:schemeClr val="lt1"/>
-              </a:fillRef>
-              <a:effectRef idx="0">
-                <a:schemeClr val="dk1"/>
-              </a:effectRef>
-              <a:fontRef idx="minor">
-                <a:schemeClr val="dk1"/>
-              </a:fontRef>
-            </p:style>
-            <p:txBody>
-              <a:bodyPr rtlCol="0" anchor="ctr"/>
-              <a:lstStyle/>
-              <a:p>
-                <a:pPr algn="ctr"/>
-                <a:r>
-                  <a:rPr lang="zh-CN" altLang="en-US" sz="1600" dirty="0">
-                    <a:latin typeface="微软雅黑" panose="020B0503020204020204" pitchFamily="34" charset="-122"/>
-                    <a:ea typeface="微软雅黑" panose="020B0503020204020204" pitchFamily="34" charset="-122"/>
-                  </a:rPr>
-                  <a:t>实验及数据分析</a:t>
-                </a:r>
-              </a:p>
-            </p:txBody>
-          </p:sp>
-          <p:sp>
-            <p:nvSpPr>
-              <p:cNvPr id="37" name="圆角矩形 36"/>
-              <p:cNvSpPr/>
-              <p:nvPr/>
-            </p:nvSpPr>
-            <p:spPr>
-              <a:xfrm>
-                <a:off x="1965131" y="916483"/>
-                <a:ext cx="1978908" cy="685655"/>
-              </a:xfrm>
-              <a:prstGeom prst="roundRect">
-                <a:avLst/>
-              </a:prstGeom>
-            </p:spPr>
-            <p:style>
-              <a:lnRef idx="2">
-                <a:schemeClr val="dk1"/>
-              </a:lnRef>
-              <a:fillRef idx="1">
-                <a:schemeClr val="lt1"/>
-              </a:fillRef>
-              <a:effectRef idx="0">
-                <a:schemeClr val="dk1"/>
-              </a:effectRef>
-              <a:fontRef idx="minor">
-                <a:schemeClr val="dk1"/>
-              </a:fontRef>
-            </p:style>
-            <p:txBody>
-              <a:bodyPr rtlCol="0" anchor="ctr"/>
-              <a:lstStyle/>
-              <a:p>
-                <a:pPr algn="ctr"/>
-                <a:r>
-                  <a:rPr lang="zh-CN" altLang="en-US" sz="1600" dirty="0">
-                    <a:latin typeface="微软雅黑" panose="020B0503020204020204" pitchFamily="34" charset="-122"/>
-                    <a:ea typeface="微软雅黑" panose="020B0503020204020204" pitchFamily="34" charset="-122"/>
-                  </a:rPr>
-                  <a:t>随机延迟污染</a:t>
-                </a:r>
-                <a:endParaRPr lang="en-US" altLang="zh-CN" sz="1600" dirty="0">
+                </a:rPr>
+                <a:t>OVS</a:t>
+              </a:r>
+              <a:endParaRPr lang="zh-CN" altLang="en-US" sz="1600" dirty="0">
+                <a:latin typeface="Times New Roman" panose="02020603050405020304" pitchFamily="18" charset="0"/>
+                <a:ea typeface="微软雅黑" panose="020B0503020204020204" pitchFamily="34" charset="-122"/>
+                <a:cs typeface="Times New Roman" panose="02020603050405020304" pitchFamily="18" charset="0"/>
+              </a:endParaRPr>
+            </a:p>
+          </p:txBody>
+        </p:sp>
+        <p:sp>
+          <p:nvSpPr>
+            <p:cNvPr id="36" name="立方体 35"/>
+            <p:cNvSpPr/>
+            <p:nvPr/>
+          </p:nvSpPr>
+          <p:spPr>
+            <a:xfrm>
+              <a:off x="1215989" y="-9640"/>
+              <a:ext cx="6176329" cy="682843"/>
+            </a:xfrm>
+            <a:prstGeom prst="cube">
+              <a:avLst/>
+            </a:prstGeom>
+            <a:ln/>
+          </p:spPr>
+          <p:style>
+            <a:lnRef idx="2">
+              <a:schemeClr val="dk1"/>
+            </a:lnRef>
+            <a:fillRef idx="1">
+              <a:schemeClr val="lt1"/>
+            </a:fillRef>
+            <a:effectRef idx="0">
+              <a:schemeClr val="dk1"/>
+            </a:effectRef>
+            <a:fontRef idx="minor">
+              <a:schemeClr val="dk1"/>
+            </a:fontRef>
+          </p:style>
+          <p:txBody>
+            <a:bodyPr rtlCol="0" anchor="ctr"/>
+            <a:lstStyle/>
+            <a:p>
+              <a:pPr algn="ctr"/>
+              <a:r>
+                <a:rPr lang="zh-CN" altLang="en-US" sz="1600" dirty="0">
                   <a:latin typeface="微软雅黑" panose="020B0503020204020204" pitchFamily="34" charset="-122"/>
                   <a:ea typeface="微软雅黑" panose="020B0503020204020204" pitchFamily="34" charset="-122"/>
-                </a:endParaRPr>
-              </a:p>
-              <a:p>
-                <a:pPr algn="ctr"/>
-                <a:r>
-                  <a:rPr lang="zh-CN" altLang="en-US" sz="1600" dirty="0">
-                    <a:latin typeface="微软雅黑" panose="020B0503020204020204" pitchFamily="34" charset="-122"/>
-                    <a:ea typeface="微软雅黑" panose="020B0503020204020204" pitchFamily="34" charset="-122"/>
-                  </a:rPr>
-                  <a:t>现象及抑制</a:t>
-                </a:r>
-              </a:p>
-            </p:txBody>
-          </p:sp>
-          <p:sp>
-            <p:nvSpPr>
-              <p:cNvPr id="38" name="圆角矩形 37"/>
-              <p:cNvSpPr/>
-              <p:nvPr/>
-            </p:nvSpPr>
-            <p:spPr>
-              <a:xfrm>
-                <a:off x="4274545" y="916484"/>
-                <a:ext cx="1951708" cy="685656"/>
-              </a:xfrm>
-              <a:prstGeom prst="roundRect">
-                <a:avLst/>
-              </a:prstGeom>
-            </p:spPr>
-            <p:style>
-              <a:lnRef idx="2">
-                <a:schemeClr val="dk1"/>
-              </a:lnRef>
-              <a:fillRef idx="1">
-                <a:schemeClr val="lt1"/>
-              </a:fillRef>
-              <a:effectRef idx="0">
-                <a:schemeClr val="dk1"/>
-              </a:effectRef>
-              <a:fontRef idx="minor">
-                <a:schemeClr val="dk1"/>
-              </a:fontRef>
-            </p:style>
-            <p:txBody>
-              <a:bodyPr rtlCol="0" anchor="ctr"/>
-              <a:lstStyle/>
-              <a:p>
-                <a:pPr algn="ctr"/>
-                <a:r>
-                  <a:rPr lang="zh-CN" altLang="en-US" sz="1600" dirty="0">
-                    <a:latin typeface="微软雅黑" panose="020B0503020204020204" pitchFamily="34" charset="-122"/>
-                    <a:ea typeface="微软雅黑" panose="020B0503020204020204" pitchFamily="34" charset="-122"/>
-                  </a:rPr>
-                  <a:t>三角不等式违例现象及抑制</a:t>
-                </a:r>
-              </a:p>
-            </p:txBody>
-          </p:sp>
-          <p:sp>
-            <p:nvSpPr>
-              <p:cNvPr id="39" name="下箭头 38"/>
-              <p:cNvSpPr/>
-              <p:nvPr/>
-            </p:nvSpPr>
-            <p:spPr>
-              <a:xfrm rot="10800000">
-                <a:off x="2757993" y="1593711"/>
-                <a:ext cx="319489" cy="378304"/>
-              </a:xfrm>
-              <a:prstGeom prst="downArrow">
-                <a:avLst/>
-              </a:prstGeom>
-            </p:spPr>
-            <p:style>
-              <a:lnRef idx="2">
-                <a:schemeClr val="dk1"/>
-              </a:lnRef>
-              <a:fillRef idx="1">
-                <a:schemeClr val="lt1"/>
-              </a:fillRef>
-              <a:effectRef idx="0">
-                <a:schemeClr val="dk1"/>
-              </a:effectRef>
-              <a:fontRef idx="minor">
-                <a:schemeClr val="dk1"/>
-              </a:fontRef>
-            </p:style>
-            <p:txBody>
-              <a:bodyPr rtlCol="0" anchor="ctr"/>
-              <a:lstStyle/>
-              <a:p>
-                <a:pPr algn="ctr"/>
-                <a:endParaRPr lang="zh-CN" altLang="en-US">
+                </a:rPr>
+                <a:t>实验及数据分析</a:t>
+              </a:r>
+            </a:p>
+          </p:txBody>
+        </p:sp>
+        <p:sp>
+          <p:nvSpPr>
+            <p:cNvPr id="37" name="立方体 36"/>
+            <p:cNvSpPr/>
+            <p:nvPr/>
+          </p:nvSpPr>
+          <p:spPr>
+            <a:xfrm>
+              <a:off x="1965131" y="916483"/>
+              <a:ext cx="1978908" cy="685655"/>
+            </a:xfrm>
+            <a:prstGeom prst="cube">
+              <a:avLst/>
+            </a:prstGeom>
+            <a:ln/>
+          </p:spPr>
+          <p:style>
+            <a:lnRef idx="2">
+              <a:schemeClr val="dk1"/>
+            </a:lnRef>
+            <a:fillRef idx="1">
+              <a:schemeClr val="lt1"/>
+            </a:fillRef>
+            <a:effectRef idx="0">
+              <a:schemeClr val="dk1"/>
+            </a:effectRef>
+            <a:fontRef idx="minor">
+              <a:schemeClr val="dk1"/>
+            </a:fontRef>
+          </p:style>
+          <p:txBody>
+            <a:bodyPr rtlCol="0" anchor="ctr"/>
+            <a:lstStyle/>
+            <a:p>
+              <a:pPr algn="ctr"/>
+              <a:r>
+                <a:rPr lang="zh-CN" altLang="en-US" sz="1600" dirty="0">
                   <a:latin typeface="微软雅黑" panose="020B0503020204020204" pitchFamily="34" charset="-122"/>
                   <a:ea typeface="微软雅黑" panose="020B0503020204020204" pitchFamily="34" charset="-122"/>
-                </a:endParaRPr>
-              </a:p>
-            </p:txBody>
-          </p:sp>
-          <p:sp>
-            <p:nvSpPr>
-              <p:cNvPr id="40" name="下箭头 39"/>
-              <p:cNvSpPr/>
-              <p:nvPr/>
-            </p:nvSpPr>
-            <p:spPr>
-              <a:xfrm rot="10800000">
-                <a:off x="5034175" y="1586346"/>
-                <a:ext cx="319489" cy="378304"/>
-              </a:xfrm>
-              <a:prstGeom prst="downArrow">
-                <a:avLst/>
-              </a:prstGeom>
-            </p:spPr>
-            <p:style>
-              <a:lnRef idx="2">
-                <a:schemeClr val="dk1"/>
-              </a:lnRef>
-              <a:fillRef idx="1">
-                <a:schemeClr val="lt1"/>
-              </a:fillRef>
-              <a:effectRef idx="0">
-                <a:schemeClr val="dk1"/>
-              </a:effectRef>
-              <a:fontRef idx="minor">
-                <a:schemeClr val="dk1"/>
-              </a:fontRef>
-            </p:style>
-            <p:txBody>
-              <a:bodyPr rtlCol="0" anchor="ctr"/>
-              <a:lstStyle/>
-              <a:p>
-                <a:pPr algn="ctr"/>
-                <a:endParaRPr lang="zh-CN" altLang="en-US">
+                </a:rPr>
+                <a:t>随机延迟污染</a:t>
+              </a:r>
+              <a:endParaRPr lang="en-US" altLang="zh-CN" sz="1600" dirty="0">
+                <a:latin typeface="微软雅黑" panose="020B0503020204020204" pitchFamily="34" charset="-122"/>
+                <a:ea typeface="微软雅黑" panose="020B0503020204020204" pitchFamily="34" charset="-122"/>
+              </a:endParaRPr>
+            </a:p>
+            <a:p>
+              <a:pPr algn="ctr"/>
+              <a:r>
+                <a:rPr lang="zh-CN" altLang="en-US" sz="1600" dirty="0">
                   <a:latin typeface="微软雅黑" panose="020B0503020204020204" pitchFamily="34" charset="-122"/>
                   <a:ea typeface="微软雅黑" panose="020B0503020204020204" pitchFamily="34" charset="-122"/>
-                </a:endParaRPr>
-              </a:p>
-            </p:txBody>
-          </p:sp>
-          <p:sp>
-            <p:nvSpPr>
-              <p:cNvPr id="42" name="文本框 41"/>
-              <p:cNvSpPr txBox="1"/>
-              <p:nvPr/>
-            </p:nvSpPr>
-            <p:spPr>
-              <a:xfrm>
-                <a:off x="3469376" y="1643355"/>
-                <a:ext cx="1333978" cy="307777"/>
-              </a:xfrm>
-              <a:prstGeom prst="rect">
-                <a:avLst/>
-              </a:prstGeom>
-            </p:spPr>
-            <p:style>
-              <a:lnRef idx="2">
-                <a:schemeClr val="dk1"/>
-              </a:lnRef>
-              <a:fillRef idx="1">
-                <a:schemeClr val="lt1"/>
-              </a:fillRef>
-              <a:effectRef idx="0">
-                <a:schemeClr val="dk1"/>
-              </a:effectRef>
-              <a:fontRef idx="minor">
-                <a:schemeClr val="dk1"/>
-              </a:fontRef>
-            </p:style>
-            <p:txBody>
-              <a:bodyPr wrap="square" rtlCol="0">
-                <a:spAutoFit/>
-              </a:bodyPr>
-              <a:lstStyle>
-                <a:defPPr>
-                  <a:defRPr lang="zh-CN"/>
-                </a:defPPr>
-                <a:lvl1pPr>
-                  <a:defRPr>
-                    <a:solidFill>
-                      <a:schemeClr val="dk1"/>
-                    </a:solidFill>
-                  </a:defRPr>
-                </a:lvl1pPr>
-                <a:lvl2pPr>
-                  <a:defRPr>
-                    <a:solidFill>
-                      <a:schemeClr val="dk1"/>
-                    </a:solidFill>
-                  </a:defRPr>
-                </a:lvl2pPr>
-                <a:lvl3pPr>
-                  <a:defRPr>
-                    <a:solidFill>
-                      <a:schemeClr val="dk1"/>
-                    </a:solidFill>
-                  </a:defRPr>
-                </a:lvl3pPr>
-                <a:lvl4pPr>
-                  <a:defRPr>
-                    <a:solidFill>
-                      <a:schemeClr val="dk1"/>
-                    </a:solidFill>
-                  </a:defRPr>
-                </a:lvl4pPr>
-                <a:lvl5pPr>
-                  <a:defRPr>
-                    <a:solidFill>
-                      <a:schemeClr val="dk1"/>
-                    </a:solidFill>
-                  </a:defRPr>
-                </a:lvl5pPr>
-                <a:lvl6pPr>
-                  <a:defRPr>
-                    <a:solidFill>
-                      <a:schemeClr val="dk1"/>
-                    </a:solidFill>
-                  </a:defRPr>
-                </a:lvl6pPr>
-                <a:lvl7pPr>
-                  <a:defRPr>
-                    <a:solidFill>
-                      <a:schemeClr val="dk1"/>
-                    </a:solidFill>
-                  </a:defRPr>
-                </a:lvl7pPr>
-                <a:lvl8pPr>
-                  <a:defRPr>
-                    <a:solidFill>
-                      <a:schemeClr val="dk1"/>
-                    </a:solidFill>
-                  </a:defRPr>
-                </a:lvl8pPr>
-                <a:lvl9pPr>
-                  <a:defRPr>
-                    <a:solidFill>
-                      <a:schemeClr val="dk1"/>
-                    </a:solidFill>
-                  </a:defRPr>
-                </a:lvl9pPr>
-              </a:lstStyle>
-              <a:p>
-                <a:pPr algn="ctr"/>
-                <a:r>
-                  <a:rPr lang="zh-CN" altLang="en-US" sz="1400" dirty="0" smtClean="0">
-                    <a:latin typeface="微软雅黑" panose="020B0503020204020204" pitchFamily="34" charset="-122"/>
-                    <a:ea typeface="微软雅黑" panose="020B0503020204020204" pitchFamily="34" charset="-122"/>
-                  </a:rPr>
-                  <a:t>网络性能优化</a:t>
-                </a:r>
-                <a:endParaRPr lang="zh-CN" altLang="en-US" sz="1400" dirty="0">
+                </a:rPr>
+                <a:t>现象及抑制</a:t>
+              </a:r>
+            </a:p>
+          </p:txBody>
+        </p:sp>
+        <p:sp>
+          <p:nvSpPr>
+            <p:cNvPr id="38" name="立方体 37"/>
+            <p:cNvSpPr/>
+            <p:nvPr/>
+          </p:nvSpPr>
+          <p:spPr>
+            <a:xfrm>
+              <a:off x="4274545" y="916484"/>
+              <a:ext cx="1951708" cy="685656"/>
+            </a:xfrm>
+            <a:prstGeom prst="cube">
+              <a:avLst/>
+            </a:prstGeom>
+            <a:ln/>
+          </p:spPr>
+          <p:style>
+            <a:lnRef idx="2">
+              <a:schemeClr val="dk1"/>
+            </a:lnRef>
+            <a:fillRef idx="1">
+              <a:schemeClr val="lt1"/>
+            </a:fillRef>
+            <a:effectRef idx="0">
+              <a:schemeClr val="dk1"/>
+            </a:effectRef>
+            <a:fontRef idx="minor">
+              <a:schemeClr val="dk1"/>
+            </a:fontRef>
+          </p:style>
+          <p:txBody>
+            <a:bodyPr rtlCol="0" anchor="ctr"/>
+            <a:lstStyle/>
+            <a:p>
+              <a:pPr algn="ctr"/>
+              <a:r>
+                <a:rPr lang="zh-CN" altLang="en-US" sz="1600" dirty="0">
                   <a:latin typeface="微软雅黑" panose="020B0503020204020204" pitchFamily="34" charset="-122"/>
                   <a:ea typeface="微软雅黑" panose="020B0503020204020204" pitchFamily="34" charset="-122"/>
-                </a:endParaRPr>
-              </a:p>
-            </p:txBody>
-          </p:sp>
-          <p:sp>
-            <p:nvSpPr>
-              <p:cNvPr id="44" name="右大括号 43"/>
-              <p:cNvSpPr/>
-              <p:nvPr/>
-            </p:nvSpPr>
-            <p:spPr>
-              <a:xfrm>
-                <a:off x="7484581" y="5717754"/>
-                <a:ext cx="462709" cy="1155138"/>
-              </a:xfrm>
-              <a:prstGeom prst="rightBrace">
-                <a:avLst/>
-              </a:prstGeom>
-            </p:spPr>
-            <p:style>
-              <a:lnRef idx="2">
-                <a:schemeClr val="dk1"/>
-              </a:lnRef>
-              <a:fillRef idx="1">
-                <a:schemeClr val="lt1"/>
-              </a:fillRef>
-              <a:effectRef idx="0">
-                <a:schemeClr val="dk1"/>
-              </a:effectRef>
-              <a:fontRef idx="minor">
-                <a:schemeClr val="dk1"/>
-              </a:fontRef>
-            </p:style>
-            <p:txBody>
-              <a:bodyPr rtlCol="0" anchor="ctr"/>
-              <a:lstStyle/>
-              <a:p>
-                <a:pPr algn="ctr"/>
-                <a:endParaRPr lang="zh-CN" altLang="en-US">
+                </a:rPr>
+                <a:t>三角不等式违例现象及抑制</a:t>
+              </a:r>
+            </a:p>
+          </p:txBody>
+        </p:sp>
+        <p:sp>
+          <p:nvSpPr>
+            <p:cNvPr id="39" name="下箭头 38"/>
+            <p:cNvSpPr/>
+            <p:nvPr/>
+          </p:nvSpPr>
+          <p:spPr>
+            <a:xfrm rot="10800000">
+              <a:off x="2757992" y="1593711"/>
+              <a:ext cx="319489" cy="599720"/>
+            </a:xfrm>
+            <a:prstGeom prst="downArrow">
+              <a:avLst/>
+            </a:prstGeom>
+          </p:spPr>
+          <p:style>
+            <a:lnRef idx="2">
+              <a:schemeClr val="dk1"/>
+            </a:lnRef>
+            <a:fillRef idx="1">
+              <a:schemeClr val="lt1"/>
+            </a:fillRef>
+            <a:effectRef idx="0">
+              <a:schemeClr val="dk1"/>
+            </a:effectRef>
+            <a:fontRef idx="minor">
+              <a:schemeClr val="dk1"/>
+            </a:fontRef>
+          </p:style>
+          <p:txBody>
+            <a:bodyPr rtlCol="0" anchor="ctr"/>
+            <a:lstStyle/>
+            <a:p>
+              <a:pPr algn="ctr"/>
+              <a:endParaRPr lang="zh-CN" altLang="en-US">
+                <a:latin typeface="微软雅黑" panose="020B0503020204020204" pitchFamily="34" charset="-122"/>
+                <a:ea typeface="微软雅黑" panose="020B0503020204020204" pitchFamily="34" charset="-122"/>
+              </a:endParaRPr>
+            </a:p>
+          </p:txBody>
+        </p:sp>
+        <p:sp>
+          <p:nvSpPr>
+            <p:cNvPr id="40" name="下箭头 39"/>
+            <p:cNvSpPr/>
+            <p:nvPr/>
+          </p:nvSpPr>
+          <p:spPr>
+            <a:xfrm rot="10800000">
+              <a:off x="5034174" y="1586345"/>
+              <a:ext cx="319489" cy="607085"/>
+            </a:xfrm>
+            <a:prstGeom prst="downArrow">
+              <a:avLst/>
+            </a:prstGeom>
+          </p:spPr>
+          <p:style>
+            <a:lnRef idx="2">
+              <a:schemeClr val="dk1"/>
+            </a:lnRef>
+            <a:fillRef idx="1">
+              <a:schemeClr val="lt1"/>
+            </a:fillRef>
+            <a:effectRef idx="0">
+              <a:schemeClr val="dk1"/>
+            </a:effectRef>
+            <a:fontRef idx="minor">
+              <a:schemeClr val="dk1"/>
+            </a:fontRef>
+          </p:style>
+          <p:txBody>
+            <a:bodyPr rtlCol="0" anchor="ctr"/>
+            <a:lstStyle/>
+            <a:p>
+              <a:pPr algn="ctr"/>
+              <a:endParaRPr lang="zh-CN" altLang="en-US">
+                <a:latin typeface="微软雅黑" panose="020B0503020204020204" pitchFamily="34" charset="-122"/>
+                <a:ea typeface="微软雅黑" panose="020B0503020204020204" pitchFamily="34" charset="-122"/>
+              </a:endParaRPr>
+            </a:p>
+          </p:txBody>
+        </p:sp>
+        <p:sp>
+          <p:nvSpPr>
+            <p:cNvPr id="42" name="文本框 41"/>
+            <p:cNvSpPr txBox="1"/>
+            <p:nvPr/>
+          </p:nvSpPr>
+          <p:spPr>
+            <a:xfrm>
+              <a:off x="3350503" y="1643355"/>
+              <a:ext cx="1452851" cy="408980"/>
+            </a:xfrm>
+            <a:prstGeom prst="cube">
+              <a:avLst/>
+            </a:prstGeom>
+          </p:spPr>
+          <p:style>
+            <a:lnRef idx="2">
+              <a:schemeClr val="dk1"/>
+            </a:lnRef>
+            <a:fillRef idx="1">
+              <a:schemeClr val="lt1"/>
+            </a:fillRef>
+            <a:effectRef idx="0">
+              <a:schemeClr val="dk1"/>
+            </a:effectRef>
+            <a:fontRef idx="minor">
+              <a:schemeClr val="dk1"/>
+            </a:fontRef>
+          </p:style>
+          <p:txBody>
+            <a:bodyPr wrap="square" rtlCol="0">
+              <a:spAutoFit/>
+            </a:bodyPr>
+            <a:lstStyle>
+              <a:defPPr>
+                <a:defRPr lang="zh-CN"/>
+              </a:defPPr>
+              <a:lvl1pPr>
+                <a:defRPr>
+                  <a:solidFill>
+                    <a:schemeClr val="dk1"/>
+                  </a:solidFill>
+                </a:defRPr>
+              </a:lvl1pPr>
+              <a:lvl2pPr>
+                <a:defRPr>
+                  <a:solidFill>
+                    <a:schemeClr val="dk1"/>
+                  </a:solidFill>
+                </a:defRPr>
+              </a:lvl2pPr>
+              <a:lvl3pPr>
+                <a:defRPr>
+                  <a:solidFill>
+                    <a:schemeClr val="dk1"/>
+                  </a:solidFill>
+                </a:defRPr>
+              </a:lvl3pPr>
+              <a:lvl4pPr>
+                <a:defRPr>
+                  <a:solidFill>
+                    <a:schemeClr val="dk1"/>
+                  </a:solidFill>
+                </a:defRPr>
+              </a:lvl4pPr>
+              <a:lvl5pPr>
+                <a:defRPr>
+                  <a:solidFill>
+                    <a:schemeClr val="dk1"/>
+                  </a:solidFill>
+                </a:defRPr>
+              </a:lvl5pPr>
+              <a:lvl6pPr>
+                <a:defRPr>
+                  <a:solidFill>
+                    <a:schemeClr val="dk1"/>
+                  </a:solidFill>
+                </a:defRPr>
+              </a:lvl6pPr>
+              <a:lvl7pPr>
+                <a:defRPr>
+                  <a:solidFill>
+                    <a:schemeClr val="dk1"/>
+                  </a:solidFill>
+                </a:defRPr>
+              </a:lvl7pPr>
+              <a:lvl8pPr>
+                <a:defRPr>
+                  <a:solidFill>
+                    <a:schemeClr val="dk1"/>
+                  </a:solidFill>
+                </a:defRPr>
+              </a:lvl8pPr>
+              <a:lvl9pPr>
+                <a:defRPr>
+                  <a:solidFill>
+                    <a:schemeClr val="dk1"/>
+                  </a:solidFill>
+                </a:defRPr>
+              </a:lvl9pPr>
+            </a:lstStyle>
+            <a:p>
+              <a:pPr algn="ctr"/>
+              <a:r>
+                <a:rPr lang="zh-CN" altLang="en-US" sz="1400" dirty="0" smtClean="0">
                   <a:latin typeface="微软雅黑" panose="020B0503020204020204" pitchFamily="34" charset="-122"/>
                   <a:ea typeface="微软雅黑" panose="020B0503020204020204" pitchFamily="34" charset="-122"/>
-                </a:endParaRPr>
-              </a:p>
-            </p:txBody>
-          </p:sp>
-          <p:sp>
-            <p:nvSpPr>
-              <p:cNvPr id="45" name="右大括号 44"/>
-              <p:cNvSpPr/>
-              <p:nvPr/>
-            </p:nvSpPr>
-            <p:spPr>
-              <a:xfrm>
-                <a:off x="7479070" y="4021157"/>
-                <a:ext cx="462709" cy="1474884"/>
-              </a:xfrm>
-              <a:prstGeom prst="rightBrace">
-                <a:avLst/>
-              </a:prstGeom>
-            </p:spPr>
-            <p:style>
-              <a:lnRef idx="2">
-                <a:schemeClr val="dk1"/>
-              </a:lnRef>
-              <a:fillRef idx="1">
-                <a:schemeClr val="lt1"/>
-              </a:fillRef>
-              <a:effectRef idx="0">
-                <a:schemeClr val="dk1"/>
-              </a:effectRef>
-              <a:fontRef idx="minor">
-                <a:schemeClr val="dk1"/>
-              </a:fontRef>
-            </p:style>
-            <p:txBody>
-              <a:bodyPr rtlCol="0" anchor="ctr"/>
-              <a:lstStyle/>
-              <a:p>
-                <a:pPr algn="ctr"/>
-                <a:endParaRPr lang="zh-CN" altLang="en-US">
+                </a:rPr>
+                <a:t>网络性能优化</a:t>
+              </a:r>
+              <a:endParaRPr lang="zh-CN" altLang="en-US" sz="1400" dirty="0">
+                <a:latin typeface="微软雅黑" panose="020B0503020204020204" pitchFamily="34" charset="-122"/>
+                <a:ea typeface="微软雅黑" panose="020B0503020204020204" pitchFamily="34" charset="-122"/>
+              </a:endParaRPr>
+            </a:p>
+          </p:txBody>
+        </p:sp>
+        <p:sp>
+          <p:nvSpPr>
+            <p:cNvPr id="44" name="右大括号 43"/>
+            <p:cNvSpPr/>
+            <p:nvPr/>
+          </p:nvSpPr>
+          <p:spPr>
+            <a:xfrm>
+              <a:off x="7484581" y="5717754"/>
+              <a:ext cx="462709" cy="1155138"/>
+            </a:xfrm>
+            <a:prstGeom prst="rightBrace">
+              <a:avLst/>
+            </a:prstGeom>
+          </p:spPr>
+          <p:style>
+            <a:lnRef idx="2">
+              <a:schemeClr val="dk1"/>
+            </a:lnRef>
+            <a:fillRef idx="1">
+              <a:schemeClr val="lt1"/>
+            </a:fillRef>
+            <a:effectRef idx="0">
+              <a:schemeClr val="dk1"/>
+            </a:effectRef>
+            <a:fontRef idx="minor">
+              <a:schemeClr val="dk1"/>
+            </a:fontRef>
+          </p:style>
+          <p:txBody>
+            <a:bodyPr rtlCol="0" anchor="ctr"/>
+            <a:lstStyle/>
+            <a:p>
+              <a:pPr algn="ctr"/>
+              <a:endParaRPr lang="zh-CN" altLang="en-US">
+                <a:latin typeface="微软雅黑" panose="020B0503020204020204" pitchFamily="34" charset="-122"/>
+                <a:ea typeface="微软雅黑" panose="020B0503020204020204" pitchFamily="34" charset="-122"/>
+              </a:endParaRPr>
+            </a:p>
+          </p:txBody>
+        </p:sp>
+        <p:sp>
+          <p:nvSpPr>
+            <p:cNvPr id="45" name="右大括号 44"/>
+            <p:cNvSpPr/>
+            <p:nvPr/>
+          </p:nvSpPr>
+          <p:spPr>
+            <a:xfrm>
+              <a:off x="7479070" y="4021157"/>
+              <a:ext cx="462709" cy="1474884"/>
+            </a:xfrm>
+            <a:prstGeom prst="rightBrace">
+              <a:avLst/>
+            </a:prstGeom>
+          </p:spPr>
+          <p:style>
+            <a:lnRef idx="2">
+              <a:schemeClr val="dk1"/>
+            </a:lnRef>
+            <a:fillRef idx="1">
+              <a:schemeClr val="lt1"/>
+            </a:fillRef>
+            <a:effectRef idx="0">
+              <a:schemeClr val="dk1"/>
+            </a:effectRef>
+            <a:fontRef idx="minor">
+              <a:schemeClr val="dk1"/>
+            </a:fontRef>
+          </p:style>
+          <p:txBody>
+            <a:bodyPr rtlCol="0" anchor="ctr"/>
+            <a:lstStyle/>
+            <a:p>
+              <a:pPr algn="ctr"/>
+              <a:endParaRPr lang="zh-CN" altLang="en-US">
+                <a:latin typeface="微软雅黑" panose="020B0503020204020204" pitchFamily="34" charset="-122"/>
+                <a:ea typeface="微软雅黑" panose="020B0503020204020204" pitchFamily="34" charset="-122"/>
+              </a:endParaRPr>
+            </a:p>
+          </p:txBody>
+        </p:sp>
+        <p:sp>
+          <p:nvSpPr>
+            <p:cNvPr id="46" name="右大括号 45"/>
+            <p:cNvSpPr/>
+            <p:nvPr/>
+          </p:nvSpPr>
+          <p:spPr>
+            <a:xfrm>
+              <a:off x="7479069" y="1984993"/>
+              <a:ext cx="462709" cy="1590236"/>
+            </a:xfrm>
+            <a:prstGeom prst="rightBrace">
+              <a:avLst/>
+            </a:prstGeom>
+          </p:spPr>
+          <p:style>
+            <a:lnRef idx="2">
+              <a:schemeClr val="dk1"/>
+            </a:lnRef>
+            <a:fillRef idx="1">
+              <a:schemeClr val="lt1"/>
+            </a:fillRef>
+            <a:effectRef idx="0">
+              <a:schemeClr val="dk1"/>
+            </a:effectRef>
+            <a:fontRef idx="minor">
+              <a:schemeClr val="dk1"/>
+            </a:fontRef>
+          </p:style>
+          <p:txBody>
+            <a:bodyPr rtlCol="0" anchor="ctr"/>
+            <a:lstStyle/>
+            <a:p>
+              <a:pPr algn="ctr"/>
+              <a:endParaRPr lang="zh-CN" altLang="en-US">
+                <a:latin typeface="微软雅黑" panose="020B0503020204020204" pitchFamily="34" charset="-122"/>
+                <a:ea typeface="微软雅黑" panose="020B0503020204020204" pitchFamily="34" charset="-122"/>
+              </a:endParaRPr>
+            </a:p>
+          </p:txBody>
+        </p:sp>
+        <p:sp>
+          <p:nvSpPr>
+            <p:cNvPr id="47" name="右大括号 46"/>
+            <p:cNvSpPr/>
+            <p:nvPr/>
+          </p:nvSpPr>
+          <p:spPr>
+            <a:xfrm>
+              <a:off x="7488702" y="289883"/>
+              <a:ext cx="462709" cy="1353472"/>
+            </a:xfrm>
+            <a:prstGeom prst="rightBrace">
+              <a:avLst/>
+            </a:prstGeom>
+          </p:spPr>
+          <p:style>
+            <a:lnRef idx="2">
+              <a:schemeClr val="dk1"/>
+            </a:lnRef>
+            <a:fillRef idx="1">
+              <a:schemeClr val="lt1"/>
+            </a:fillRef>
+            <a:effectRef idx="0">
+              <a:schemeClr val="dk1"/>
+            </a:effectRef>
+            <a:fontRef idx="minor">
+              <a:schemeClr val="dk1"/>
+            </a:fontRef>
+          </p:style>
+          <p:txBody>
+            <a:bodyPr rtlCol="0" anchor="ctr"/>
+            <a:lstStyle/>
+            <a:p>
+              <a:pPr algn="ctr"/>
+              <a:endParaRPr lang="zh-CN" altLang="en-US">
+                <a:latin typeface="微软雅黑" panose="020B0503020204020204" pitchFamily="34" charset="-122"/>
+                <a:ea typeface="微软雅黑" panose="020B0503020204020204" pitchFamily="34" charset="-122"/>
+              </a:endParaRPr>
+            </a:p>
+          </p:txBody>
+        </p:sp>
+        <p:sp>
+          <p:nvSpPr>
+            <p:cNvPr id="48" name="矩形 47"/>
+            <p:cNvSpPr/>
+            <p:nvPr/>
+          </p:nvSpPr>
+          <p:spPr>
+            <a:xfrm>
+              <a:off x="7951411" y="5983535"/>
+              <a:ext cx="1211855" cy="539826"/>
+            </a:xfrm>
+            <a:prstGeom prst="rect">
+              <a:avLst/>
+            </a:prstGeom>
+          </p:spPr>
+          <p:style>
+            <a:lnRef idx="0">
+              <a:schemeClr val="accent5"/>
+            </a:lnRef>
+            <a:fillRef idx="3">
+              <a:schemeClr val="accent5"/>
+            </a:fillRef>
+            <a:effectRef idx="3">
+              <a:schemeClr val="accent5"/>
+            </a:effectRef>
+            <a:fontRef idx="minor">
+              <a:schemeClr val="lt1"/>
+            </a:fontRef>
+          </p:style>
+          <p:txBody>
+            <a:bodyPr rtlCol="0" anchor="ctr"/>
+            <a:lstStyle/>
+            <a:p>
+              <a:pPr algn="ctr"/>
+              <a:r>
+                <a:rPr lang="zh-CN" altLang="en-US" dirty="0">
+                  <a:solidFill>
+                    <a:schemeClr val="lt1"/>
+                  </a:solidFill>
                   <a:latin typeface="微软雅黑" panose="020B0503020204020204" pitchFamily="34" charset="-122"/>
                   <a:ea typeface="微软雅黑" panose="020B0503020204020204" pitchFamily="34" charset="-122"/>
-                </a:endParaRPr>
-              </a:p>
-            </p:txBody>
-          </p:sp>
-          <p:sp>
-            <p:nvSpPr>
-              <p:cNvPr id="46" name="右大括号 45"/>
-              <p:cNvSpPr/>
-              <p:nvPr/>
-            </p:nvSpPr>
-            <p:spPr>
-              <a:xfrm>
-                <a:off x="7479069" y="1984993"/>
-                <a:ext cx="462709" cy="1590236"/>
-              </a:xfrm>
-              <a:prstGeom prst="rightBrace">
-                <a:avLst/>
-              </a:prstGeom>
-            </p:spPr>
-            <p:style>
-              <a:lnRef idx="2">
-                <a:schemeClr val="dk1"/>
-              </a:lnRef>
-              <a:fillRef idx="1">
-                <a:schemeClr val="lt1"/>
-              </a:fillRef>
-              <a:effectRef idx="0">
-                <a:schemeClr val="dk1"/>
-              </a:effectRef>
-              <a:fontRef idx="minor">
-                <a:schemeClr val="dk1"/>
-              </a:fontRef>
-            </p:style>
-            <p:txBody>
-              <a:bodyPr rtlCol="0" anchor="ctr"/>
-              <a:lstStyle/>
-              <a:p>
-                <a:pPr algn="ctr"/>
-                <a:endParaRPr lang="zh-CN" altLang="en-US">
+                </a:rPr>
+                <a:t>理论</a:t>
+              </a:r>
+              <a:r>
+                <a:rPr lang="zh-CN" altLang="en-US" dirty="0">
+                  <a:solidFill>
+                    <a:schemeClr val="lt1"/>
+                  </a:solidFill>
                   <a:latin typeface="微软雅黑" panose="020B0503020204020204" pitchFamily="34" charset="-122"/>
                   <a:ea typeface="微软雅黑" panose="020B0503020204020204" pitchFamily="34" charset="-122"/>
-                </a:endParaRPr>
-              </a:p>
-            </p:txBody>
-          </p:sp>
-          <p:sp>
-            <p:nvSpPr>
-              <p:cNvPr id="47" name="右大括号 46"/>
-              <p:cNvSpPr/>
-              <p:nvPr/>
-            </p:nvSpPr>
-            <p:spPr>
-              <a:xfrm>
-                <a:off x="7488702" y="289883"/>
-                <a:ext cx="462709" cy="1353472"/>
-              </a:xfrm>
-              <a:prstGeom prst="rightBrace">
-                <a:avLst/>
-              </a:prstGeom>
-            </p:spPr>
-            <p:style>
-              <a:lnRef idx="2">
-                <a:schemeClr val="dk1"/>
-              </a:lnRef>
-              <a:fillRef idx="1">
-                <a:schemeClr val="lt1"/>
-              </a:fillRef>
-              <a:effectRef idx="0">
-                <a:schemeClr val="dk1"/>
-              </a:effectRef>
-              <a:fontRef idx="minor">
-                <a:schemeClr val="dk1"/>
-              </a:fontRef>
-            </p:style>
-            <p:txBody>
-              <a:bodyPr rtlCol="0" anchor="ctr"/>
-              <a:lstStyle/>
-              <a:p>
-                <a:pPr algn="ctr"/>
-                <a:endParaRPr lang="zh-CN" altLang="en-US">
+                </a:rPr>
+                <a:t>基础</a:t>
+              </a:r>
+            </a:p>
+          </p:txBody>
+        </p:sp>
+        <p:sp>
+          <p:nvSpPr>
+            <p:cNvPr id="49" name="矩形 48"/>
+            <p:cNvSpPr/>
+            <p:nvPr/>
+          </p:nvSpPr>
+          <p:spPr>
+            <a:xfrm>
+              <a:off x="7951411" y="4453157"/>
+              <a:ext cx="1211855" cy="539826"/>
+            </a:xfrm>
+            <a:prstGeom prst="rect">
+              <a:avLst/>
+            </a:prstGeom>
+          </p:spPr>
+          <p:style>
+            <a:lnRef idx="0">
+              <a:schemeClr val="accent5"/>
+            </a:lnRef>
+            <a:fillRef idx="3">
+              <a:schemeClr val="accent5"/>
+            </a:fillRef>
+            <a:effectRef idx="3">
+              <a:schemeClr val="accent5"/>
+            </a:effectRef>
+            <a:fontRef idx="minor">
+              <a:schemeClr val="lt1"/>
+            </a:fontRef>
+          </p:style>
+          <p:txBody>
+            <a:bodyPr rtlCol="0" anchor="ctr"/>
+            <a:lstStyle/>
+            <a:p>
+              <a:pPr algn="ctr"/>
+              <a:r>
+                <a:rPr lang="zh-CN" altLang="en-US" dirty="0">
+                  <a:solidFill>
+                    <a:schemeClr val="lt1"/>
+                  </a:solidFill>
                   <a:latin typeface="微软雅黑" panose="020B0503020204020204" pitchFamily="34" charset="-122"/>
                   <a:ea typeface="微软雅黑" panose="020B0503020204020204" pitchFamily="34" charset="-122"/>
-                </a:endParaRPr>
-              </a:p>
-            </p:txBody>
-          </p:sp>
-          <p:sp>
-            <p:nvSpPr>
-              <p:cNvPr id="48" name="矩形 47"/>
-              <p:cNvSpPr/>
-              <p:nvPr/>
-            </p:nvSpPr>
-            <p:spPr>
-              <a:xfrm>
-                <a:off x="7951411" y="5983535"/>
-                <a:ext cx="1211855" cy="539826"/>
-              </a:xfrm>
-              <a:prstGeom prst="rect">
-                <a:avLst/>
-              </a:prstGeom>
-            </p:spPr>
-            <p:style>
-              <a:lnRef idx="2">
-                <a:schemeClr val="dk1"/>
-              </a:lnRef>
-              <a:fillRef idx="1">
-                <a:schemeClr val="lt1"/>
-              </a:fillRef>
-              <a:effectRef idx="0">
-                <a:schemeClr val="dk1"/>
-              </a:effectRef>
-              <a:fontRef idx="minor">
-                <a:schemeClr val="dk1"/>
-              </a:fontRef>
-            </p:style>
-            <p:txBody>
-              <a:bodyPr rtlCol="0" anchor="ctr"/>
-              <a:lstStyle/>
-              <a:p>
-                <a:pPr algn="ctr"/>
-                <a:r>
-                  <a:rPr lang="zh-CN" altLang="en-US" dirty="0" smtClean="0">
-                    <a:latin typeface="微软雅黑" panose="020B0503020204020204" pitchFamily="34" charset="-122"/>
-                    <a:ea typeface="微软雅黑" panose="020B0503020204020204" pitchFamily="34" charset="-122"/>
-                  </a:rPr>
-                  <a:t>理论</a:t>
-                </a:r>
-                <a:r>
-                  <a:rPr lang="zh-CN" altLang="en-US" dirty="0">
-                    <a:latin typeface="微软雅黑" panose="020B0503020204020204" pitchFamily="34" charset="-122"/>
-                    <a:ea typeface="微软雅黑" panose="020B0503020204020204" pitchFamily="34" charset="-122"/>
-                  </a:rPr>
-                  <a:t>基础</a:t>
-                </a:r>
-              </a:p>
-            </p:txBody>
-          </p:sp>
-          <p:sp>
-            <p:nvSpPr>
-              <p:cNvPr id="49" name="矩形 48"/>
-              <p:cNvSpPr/>
-              <p:nvPr/>
-            </p:nvSpPr>
-            <p:spPr>
-              <a:xfrm>
-                <a:off x="7951411" y="4453157"/>
-                <a:ext cx="1211855" cy="539826"/>
-              </a:xfrm>
-              <a:prstGeom prst="rect">
-                <a:avLst/>
-              </a:prstGeom>
-            </p:spPr>
-            <p:style>
-              <a:lnRef idx="2">
-                <a:schemeClr val="dk1"/>
-              </a:lnRef>
-              <a:fillRef idx="1">
-                <a:schemeClr val="lt1"/>
-              </a:fillRef>
-              <a:effectRef idx="0">
-                <a:schemeClr val="dk1"/>
-              </a:effectRef>
-              <a:fontRef idx="minor">
-                <a:schemeClr val="dk1"/>
-              </a:fontRef>
-            </p:style>
-            <p:txBody>
-              <a:bodyPr rtlCol="0" anchor="ctr"/>
-              <a:lstStyle/>
-              <a:p>
-                <a:pPr algn="ctr"/>
-                <a:r>
-                  <a:rPr lang="zh-CN" altLang="en-US" dirty="0">
-                    <a:latin typeface="微软雅黑" panose="020B0503020204020204" pitchFamily="34" charset="-122"/>
-                    <a:ea typeface="微软雅黑" panose="020B0503020204020204" pitchFamily="34" charset="-122"/>
-                  </a:rPr>
-                  <a:t>方法支撑</a:t>
-                </a:r>
-              </a:p>
-            </p:txBody>
-          </p:sp>
-          <p:sp>
-            <p:nvSpPr>
-              <p:cNvPr id="50" name="矩形 49"/>
-              <p:cNvSpPr/>
-              <p:nvPr/>
-            </p:nvSpPr>
-            <p:spPr>
-              <a:xfrm>
-                <a:off x="7983452" y="2503710"/>
-                <a:ext cx="1211855" cy="539826"/>
-              </a:xfrm>
-              <a:prstGeom prst="rect">
-                <a:avLst/>
-              </a:prstGeom>
-            </p:spPr>
-            <p:style>
-              <a:lnRef idx="2">
-                <a:schemeClr val="dk1"/>
-              </a:lnRef>
-              <a:fillRef idx="1">
-                <a:schemeClr val="lt1"/>
-              </a:fillRef>
-              <a:effectRef idx="0">
-                <a:schemeClr val="dk1"/>
-              </a:effectRef>
-              <a:fontRef idx="minor">
-                <a:schemeClr val="dk1"/>
-              </a:fontRef>
-            </p:style>
-            <p:txBody>
-              <a:bodyPr rtlCol="0" anchor="ctr"/>
-              <a:lstStyle/>
-              <a:p>
-                <a:pPr algn="ctr"/>
-                <a:r>
-                  <a:rPr lang="zh-CN" altLang="en-US" dirty="0" smtClean="0">
-                    <a:latin typeface="微软雅黑" panose="020B0503020204020204" pitchFamily="34" charset="-122"/>
-                    <a:ea typeface="微软雅黑" panose="020B0503020204020204" pitchFamily="34" charset="-122"/>
-                  </a:rPr>
-                  <a:t>系统构建</a:t>
-                </a:r>
-                <a:endParaRPr lang="zh-CN" altLang="en-US" dirty="0">
+                </a:rPr>
+                <a:t>方法支撑</a:t>
+              </a:r>
+            </a:p>
+          </p:txBody>
+        </p:sp>
+        <p:sp>
+          <p:nvSpPr>
+            <p:cNvPr id="50" name="矩形 49"/>
+            <p:cNvSpPr/>
+            <p:nvPr/>
+          </p:nvSpPr>
+          <p:spPr>
+            <a:xfrm>
+              <a:off x="7983452" y="2503710"/>
+              <a:ext cx="1211855" cy="539826"/>
+            </a:xfrm>
+            <a:prstGeom prst="rect">
+              <a:avLst/>
+            </a:prstGeom>
+          </p:spPr>
+          <p:style>
+            <a:lnRef idx="0">
+              <a:schemeClr val="accent5"/>
+            </a:lnRef>
+            <a:fillRef idx="3">
+              <a:schemeClr val="accent5"/>
+            </a:fillRef>
+            <a:effectRef idx="3">
+              <a:schemeClr val="accent5"/>
+            </a:effectRef>
+            <a:fontRef idx="minor">
+              <a:schemeClr val="lt1"/>
+            </a:fontRef>
+          </p:style>
+          <p:txBody>
+            <a:bodyPr rtlCol="0" anchor="ctr"/>
+            <a:lstStyle/>
+            <a:p>
+              <a:pPr algn="ctr"/>
+              <a:r>
+                <a:rPr lang="zh-CN" altLang="en-US" dirty="0">
+                  <a:solidFill>
+                    <a:schemeClr val="lt1"/>
+                  </a:solidFill>
                   <a:latin typeface="微软雅黑" panose="020B0503020204020204" pitchFamily="34" charset="-122"/>
                   <a:ea typeface="微软雅黑" panose="020B0503020204020204" pitchFamily="34" charset="-122"/>
-                </a:endParaRPr>
-              </a:p>
-            </p:txBody>
-          </p:sp>
-          <p:sp>
-            <p:nvSpPr>
-              <p:cNvPr id="51" name="矩形 50"/>
-              <p:cNvSpPr/>
-              <p:nvPr/>
-            </p:nvSpPr>
-            <p:spPr>
-              <a:xfrm>
-                <a:off x="7983453" y="668148"/>
-                <a:ext cx="1211855" cy="539826"/>
-              </a:xfrm>
-              <a:prstGeom prst="rect">
-                <a:avLst/>
-              </a:prstGeom>
-            </p:spPr>
-            <p:style>
-              <a:lnRef idx="2">
-                <a:schemeClr val="dk1"/>
-              </a:lnRef>
-              <a:fillRef idx="1">
-                <a:schemeClr val="lt1"/>
-              </a:fillRef>
-              <a:effectRef idx="0">
-                <a:schemeClr val="dk1"/>
-              </a:effectRef>
-              <a:fontRef idx="minor">
-                <a:schemeClr val="dk1"/>
-              </a:fontRef>
-            </p:style>
-            <p:txBody>
-              <a:bodyPr rtlCol="0" anchor="ctr"/>
-              <a:lstStyle/>
-              <a:p>
-                <a:pPr algn="ctr"/>
-                <a:r>
-                  <a:rPr lang="zh-CN" altLang="en-US" dirty="0" smtClean="0">
-                    <a:latin typeface="微软雅黑" panose="020B0503020204020204" pitchFamily="34" charset="-122"/>
-                    <a:ea typeface="微软雅黑" panose="020B0503020204020204" pitchFamily="34" charset="-122"/>
-                  </a:rPr>
-                  <a:t>性能优化</a:t>
-                </a:r>
-                <a:endParaRPr lang="zh-CN" altLang="en-US" dirty="0">
+                </a:rPr>
+                <a:t>系统构建</a:t>
+              </a:r>
+              <a:endParaRPr lang="zh-CN" altLang="en-US" dirty="0">
+                <a:solidFill>
+                  <a:schemeClr val="lt1"/>
+                </a:solidFill>
+                <a:latin typeface="微软雅黑" panose="020B0503020204020204" pitchFamily="34" charset="-122"/>
+                <a:ea typeface="微软雅黑" panose="020B0503020204020204" pitchFamily="34" charset="-122"/>
+              </a:endParaRPr>
+            </a:p>
+          </p:txBody>
+        </p:sp>
+        <p:sp>
+          <p:nvSpPr>
+            <p:cNvPr id="51" name="矩形 50"/>
+            <p:cNvSpPr/>
+            <p:nvPr/>
+          </p:nvSpPr>
+          <p:spPr>
+            <a:xfrm>
+              <a:off x="7983453" y="668148"/>
+              <a:ext cx="1211855" cy="539826"/>
+            </a:xfrm>
+            <a:prstGeom prst="rect">
+              <a:avLst/>
+            </a:prstGeom>
+          </p:spPr>
+          <p:style>
+            <a:lnRef idx="0">
+              <a:schemeClr val="accent5"/>
+            </a:lnRef>
+            <a:fillRef idx="3">
+              <a:schemeClr val="accent5"/>
+            </a:fillRef>
+            <a:effectRef idx="3">
+              <a:schemeClr val="accent5"/>
+            </a:effectRef>
+            <a:fontRef idx="minor">
+              <a:schemeClr val="lt1"/>
+            </a:fontRef>
+          </p:style>
+          <p:txBody>
+            <a:bodyPr rtlCol="0" anchor="ctr"/>
+            <a:lstStyle/>
+            <a:p>
+              <a:pPr algn="ctr"/>
+              <a:r>
+                <a:rPr lang="zh-CN" altLang="en-US" dirty="0" smtClean="0">
                   <a:latin typeface="微软雅黑" panose="020B0503020204020204" pitchFamily="34" charset="-122"/>
                   <a:ea typeface="微软雅黑" panose="020B0503020204020204" pitchFamily="34" charset="-122"/>
-                </a:endParaRPr>
-              </a:p>
-            </p:txBody>
-          </p:sp>
-        </p:grpSp>
+                </a:rPr>
+                <a:t>性能优化</a:t>
+              </a:r>
+              <a:endParaRPr lang="zh-CN" altLang="en-US" dirty="0">
+                <a:latin typeface="微软雅黑" panose="020B0503020204020204" pitchFamily="34" charset="-122"/>
+                <a:ea typeface="微软雅黑" panose="020B0503020204020204" pitchFamily="34" charset="-122"/>
+              </a:endParaRPr>
+            </a:p>
+          </p:txBody>
+        </p:sp>
         <p:sp>
           <p:nvSpPr>
             <p:cNvPr id="53" name="下箭头 52"/>
@@ -5012,8 +5459,8 @@
           </p:nvSpPr>
           <p:spPr>
             <a:xfrm rot="10800000">
-              <a:off x="3943569" y="692122"/>
-              <a:ext cx="319489" cy="378304"/>
+              <a:off x="3943568" y="692122"/>
+              <a:ext cx="319489" cy="894222"/>
             </a:xfrm>
             <a:prstGeom prst="downArrow">
               <a:avLst/>
@@ -5046,6 +5493,42 @@
           </p:txBody>
         </p:sp>
       </p:grpSp>
+      <p:sp>
+        <p:nvSpPr>
+          <p:cNvPr id="3" name="矩形 2"/>
+          <p:cNvSpPr/>
+          <p:nvPr/>
+        </p:nvSpPr>
+        <p:spPr>
+          <a:xfrm>
+            <a:off x="2030538" y="-402628"/>
+            <a:ext cx="3877985" cy="369332"/>
+          </a:xfrm>
+          <a:prstGeom prst="rect">
+            <a:avLst/>
+          </a:prstGeom>
+        </p:spPr>
+        <p:txBody>
+          <a:bodyPr wrap="none">
+            <a:spAutoFit/>
+          </a:bodyPr>
+          <a:lstStyle/>
+          <a:p>
+            <a:pPr lvl="1"/>
+            <a:r>
+              <a:rPr lang="zh-CN" altLang="en-US" b="1" dirty="0">
+                <a:latin typeface="微软雅黑" panose="020B0503020204020204" pitchFamily="34" charset="-122"/>
+                <a:ea typeface="微软雅黑" panose="020B0503020204020204" pitchFamily="34" charset="-122"/>
+              </a:rPr>
+              <a:t>网络空间中精准时空体系的构建</a:t>
+            </a:r>
+            <a:endParaRPr lang="en-US" altLang="zh-CN" b="1" dirty="0">
+              <a:latin typeface="微软雅黑" panose="020B0503020204020204" pitchFamily="34" charset="-122"/>
+              <a:ea typeface="微软雅黑" panose="020B0503020204020204" pitchFamily="34" charset="-122"/>
+            </a:endParaRPr>
+          </a:p>
+        </p:txBody>
+      </p:sp>
     </p:spTree>
     <p:extLst>
       <p:ext uri="{BB962C8B-B14F-4D97-AF65-F5344CB8AC3E}">
@@ -5318,4 +5801,265 @@
     </a:ext>
   </a:extLst>
 </a:theme>
+</file>
+
+<file path=ppt/theme/theme2.xml><?xml version="1.0" encoding="utf-8"?>
+<a:theme xmlns:a="http://schemas.openxmlformats.org/drawingml/2006/main" name="Office 主题​​">
+  <a:themeElements>
+    <a:clrScheme name="Office">
+      <a:dk1>
+        <a:sysClr val="windowText" lastClr="000000"/>
+      </a:dk1>
+      <a:lt1>
+        <a:sysClr val="window" lastClr="FFFFFF"/>
+      </a:lt1>
+      <a:dk2>
+        <a:srgbClr val="44546A"/>
+      </a:dk2>
+      <a:lt2>
+        <a:srgbClr val="E7E6E6"/>
+      </a:lt2>
+      <a:accent1>
+        <a:srgbClr val="5B9BD5"/>
+      </a:accent1>
+      <a:accent2>
+        <a:srgbClr val="ED7D31"/>
+      </a:accent2>
+      <a:accent3>
+        <a:srgbClr val="A5A5A5"/>
+      </a:accent3>
+      <a:accent4>
+        <a:srgbClr val="FFC000"/>
+      </a:accent4>
+      <a:accent5>
+        <a:srgbClr val="4472C4"/>
+      </a:accent5>
+      <a:accent6>
+        <a:srgbClr val="70AD47"/>
+      </a:accent6>
+      <a:hlink>
+        <a:srgbClr val="0563C1"/>
+      </a:hlink>
+      <a:folHlink>
+        <a:srgbClr val="954F72"/>
+      </a:folHlink>
+    </a:clrScheme>
+    <a:fontScheme name="Office">
+      <a:majorFont>
+        <a:latin typeface="等线 Light" panose="020F0302020204030204"/>
+        <a:ea typeface=""/>
+        <a:cs typeface=""/>
+        <a:font script="Jpan" typeface="游ゴシック Light"/>
+        <a:font script="Hang" typeface="맑은 고딕"/>
+        <a:font script="Hans" typeface="等线 Light"/>
+        <a:font script="Hant" typeface="新細明體"/>
+        <a:font script="Arab" typeface="Times New Roman"/>
+        <a:font script="Hebr" typeface="Times New Roman"/>
+        <a:font script="Thai" typeface="Angsana New"/>
+        <a:font script="Ethi" typeface="Nyala"/>
+        <a:font script="Beng" typeface="Vrinda"/>
+        <a:font script="Gujr" typeface="Shruti"/>
+        <a:font script="Khmr" typeface="MoolBoran"/>
+        <a:font script="Knda" typeface="Tunga"/>
+        <a:font script="Guru" typeface="Raavi"/>
+        <a:font script="Cans" typeface="Euphemia"/>
+        <a:font script="Cher" typeface="Plantagenet Cherokee"/>
+        <a:font script="Yiii" typeface="Microsoft Yi Baiti"/>
+        <a:font script="Tibt" typeface="Microsoft Himalaya"/>
+        <a:font script="Thaa" typeface="MV Boli"/>
+        <a:font script="Deva" typeface="Mangal"/>
+        <a:font script="Telu" typeface="Gautami"/>
+        <a:font script="Taml" typeface="Latha"/>
+        <a:font script="Syrc" typeface="Estrangelo Edessa"/>
+        <a:font script="Orya" typeface="Kalinga"/>
+        <a:font script="Mlym" typeface="Kartika"/>
+        <a:font script="Laoo" typeface="DokChampa"/>
+        <a:font script="Sinh" typeface="Iskoola Pota"/>
+        <a:font script="Mong" typeface="Mongolian Baiti"/>
+        <a:font script="Viet" typeface="Times New Roman"/>
+        <a:font script="Uigh" typeface="Microsoft Uighur"/>
+        <a:font script="Geor" typeface="Sylfaen"/>
+      </a:majorFont>
+      <a:minorFont>
+        <a:latin typeface="等线" panose="020F0502020204030204"/>
+        <a:ea typeface=""/>
+        <a:cs typeface=""/>
+        <a:font script="Jpan" typeface="游ゴシック"/>
+        <a:font script="Hang" typeface="맑은 고딕"/>
+        <a:font script="Hans" typeface="等线"/>
+        <a:font script="Hant" typeface="新細明體"/>
+        <a:font script="Arab" typeface="Arial"/>
+        <a:font script="Hebr" typeface="Arial"/>
+        <a:font script="Thai" typeface="Cordia New"/>
+        <a:font script="Ethi" typeface="Nyala"/>
+        <a:font script="Beng" typeface="Vrinda"/>
+        <a:font script="Gujr" typeface="Shruti"/>
+        <a:font script="Khmr" typeface="DaunPenh"/>
+        <a:font script="Knda" typeface="Tunga"/>
+        <a:font script="Guru" typeface="Raavi"/>
+        <a:font script="Cans" typeface="Euphemia"/>
+        <a:font script="Cher" typeface="Plantagenet Cherokee"/>
+        <a:font script="Yiii" typeface="Microsoft Yi Baiti"/>
+        <a:font script="Tibt" typeface="Microsoft Himalaya"/>
+        <a:font script="Thaa" typeface="MV Boli"/>
+        <a:font script="Deva" typeface="Mangal"/>
+        <a:font script="Telu" typeface="Gautami"/>
+        <a:font script="Taml" typeface="Latha"/>
+        <a:font script="Syrc" typeface="Estrangelo Edessa"/>
+        <a:font script="Orya" typeface="Kalinga"/>
+        <a:font script="Mlym" typeface="Kartika"/>
+        <a:font script="Laoo" typeface="DokChampa"/>
+        <a:font script="Sinh" typeface="Iskoola Pota"/>
+        <a:font script="Mong" typeface="Mongolian Baiti"/>
+        <a:font script="Viet" typeface="Arial"/>
+        <a:font script="Uigh" typeface="Microsoft Uighur"/>
+        <a:font script="Geor" typeface="Sylfaen"/>
+      </a:minorFont>
+    </a:fontScheme>
+    <a:fmtScheme name="Office">
+      <a:fillStyleLst>
+        <a:solidFill>
+          <a:schemeClr val="phClr"/>
+        </a:solidFill>
+        <a:gradFill rotWithShape="1">
+          <a:gsLst>
+            <a:gs pos="0">
+              <a:schemeClr val="phClr">
+                <a:lumMod val="110000"/>
+                <a:satMod val="105000"/>
+                <a:tint val="67000"/>
+              </a:schemeClr>
+            </a:gs>
+            <a:gs pos="50000">
+              <a:schemeClr val="phClr">
+                <a:lumMod val="105000"/>
+                <a:satMod val="103000"/>
+                <a:tint val="73000"/>
+              </a:schemeClr>
+            </a:gs>
+            <a:gs pos="100000">
+              <a:schemeClr val="phClr">
+                <a:lumMod val="105000"/>
+                <a:satMod val="109000"/>
+                <a:tint val="81000"/>
+              </a:schemeClr>
+            </a:gs>
+          </a:gsLst>
+          <a:lin ang="5400000" scaled="0"/>
+        </a:gradFill>
+        <a:gradFill rotWithShape="1">
+          <a:gsLst>
+            <a:gs pos="0">
+              <a:schemeClr val="phClr">
+                <a:satMod val="103000"/>
+                <a:lumMod val="102000"/>
+                <a:tint val="94000"/>
+              </a:schemeClr>
+            </a:gs>
+            <a:gs pos="50000">
+              <a:schemeClr val="phClr">
+                <a:satMod val="110000"/>
+                <a:lumMod val="100000"/>
+                <a:shade val="100000"/>
+              </a:schemeClr>
+            </a:gs>
+            <a:gs pos="100000">
+              <a:schemeClr val="phClr">
+                <a:lumMod val="99000"/>
+                <a:satMod val="120000"/>
+                <a:shade val="78000"/>
+              </a:schemeClr>
+            </a:gs>
+          </a:gsLst>
+          <a:lin ang="5400000" scaled="0"/>
+        </a:gradFill>
+      </a:fillStyleLst>
+      <a:lnStyleLst>
+        <a:ln w="6350" cap="flat" cmpd="sng" algn="ctr">
+          <a:solidFill>
+            <a:schemeClr val="phClr"/>
+          </a:solidFill>
+          <a:prstDash val="solid"/>
+          <a:miter lim="800000"/>
+        </a:ln>
+        <a:ln w="12700" cap="flat" cmpd="sng" algn="ctr">
+          <a:solidFill>
+            <a:schemeClr val="phClr"/>
+          </a:solidFill>
+          <a:prstDash val="solid"/>
+          <a:miter lim="800000"/>
+        </a:ln>
+        <a:ln w="19050" cap="flat" cmpd="sng" algn="ctr">
+          <a:solidFill>
+            <a:schemeClr val="phClr"/>
+          </a:solidFill>
+          <a:prstDash val="solid"/>
+          <a:miter lim="800000"/>
+        </a:ln>
+      </a:lnStyleLst>
+      <a:effectStyleLst>
+        <a:effectStyle>
+          <a:effectLst/>
+        </a:effectStyle>
+        <a:effectStyle>
+          <a:effectLst/>
+        </a:effectStyle>
+        <a:effectStyle>
+          <a:effectLst>
+            <a:outerShdw blurRad="57150" dist="19050" dir="5400000" algn="ctr" rotWithShape="0">
+              <a:srgbClr val="000000">
+                <a:alpha val="63000"/>
+              </a:srgbClr>
+            </a:outerShdw>
+          </a:effectLst>
+        </a:effectStyle>
+      </a:effectStyleLst>
+      <a:bgFillStyleLst>
+        <a:solidFill>
+          <a:schemeClr val="phClr"/>
+        </a:solidFill>
+        <a:solidFill>
+          <a:schemeClr val="phClr">
+            <a:tint val="95000"/>
+            <a:satMod val="170000"/>
+          </a:schemeClr>
+        </a:solidFill>
+        <a:gradFill rotWithShape="1">
+          <a:gsLst>
+            <a:gs pos="0">
+              <a:schemeClr val="phClr">
+                <a:tint val="93000"/>
+                <a:satMod val="150000"/>
+                <a:shade val="98000"/>
+                <a:lumMod val="102000"/>
+              </a:schemeClr>
+            </a:gs>
+            <a:gs pos="50000">
+              <a:schemeClr val="phClr">
+                <a:tint val="98000"/>
+                <a:satMod val="130000"/>
+                <a:shade val="90000"/>
+                <a:lumMod val="103000"/>
+              </a:schemeClr>
+            </a:gs>
+            <a:gs pos="100000">
+              <a:schemeClr val="phClr">
+                <a:shade val="63000"/>
+                <a:satMod val="120000"/>
+              </a:schemeClr>
+            </a:gs>
+          </a:gsLst>
+          <a:lin ang="5400000" scaled="0"/>
+        </a:gradFill>
+      </a:bgFillStyleLst>
+    </a:fmtScheme>
+  </a:themeElements>
+  <a:objectDefaults/>
+  <a:extraClrSchemeLst/>
+  <a:extLst>
+    <a:ext uri="{05A4C25C-085E-4340-85A3-A5531E510DB2}">
+      <thm15:themeFamily xmlns:thm15="http://schemas.microsoft.com/office/thememl/2012/main" name="Office Theme" id="{62F939B6-93AF-4DB8-9C6B-D6C7DFDC589F}" vid="{4A3C46E8-61CC-4603-A589-7422A47A8E4A}"/>
+    </a:ext>
+  </a:extLst>
+</a:theme>
 </file>